--- a/Diapo/Présentaion1.pptx
+++ b/Diapo/Présentaion1.pptx
@@ -117,7 +117,7 @@
   </p:defaultTextStyle>
   <p:extLst>
     <p:ext uri="{EFAFB233-063F-42B5-8137-9DF3F51BA10A}">
-      <p15:sldGuideLst xmlns:p15="http://schemas.microsoft.com/office/powerpoint/2012/main">
+      <p15:sldGuideLst xmlns:p15="http://schemas.microsoft.com/office/powerpoint/2012/main" xmlns="">
         <p15:guide id="1" orient="horz" pos="2160">
           <p15:clr>
             <a:srgbClr val="A4A3A4"/>
@@ -216,7 +216,7 @@
           <a:p>
             <a:fld id="{A80E7E6D-8030-4E2A-BC01-E3D22059138A}" type="datetimeFigureOut">
               <a:rPr lang="fr-FR"/>
-              <a:t>02/11/2015</a:t>
+              <a:t>03/11/2015</a:t>
             </a:fld>
             <a:endParaRPr lang="fr-FR"/>
           </a:p>
@@ -1153,7 +1153,7 @@
           <a:p>
             <a:fld id="{F973522D-D31F-4183-804D-3083A3C3396E}" type="datetime1">
               <a:rPr lang="en-US" smtClean="0"/>
-              <a:t>11/2/2015</a:t>
+              <a:t>11/3/2015</a:t>
             </a:fld>
             <a:endParaRPr lang="en-US" dirty="0"/>
           </a:p>
@@ -1462,7 +1462,7 @@
           <a:p>
             <a:fld id="{DDD2D088-8A27-4F08-B1DC-F3AF889E7CA5}" type="datetime1">
               <a:rPr lang="en-US" smtClean="0"/>
-              <a:t>11/2/2015</a:t>
+              <a:t>11/3/2015</a:t>
             </a:fld>
             <a:endParaRPr lang="en-US" dirty="0"/>
           </a:p>
@@ -1723,7 +1723,7 @@
           <a:p>
             <a:fld id="{BE62DA4F-D784-4F30-84DF-FAC9C1E3E7C2}" type="datetime1">
               <a:rPr lang="en-US" smtClean="0"/>
-              <a:t>11/2/2015</a:t>
+              <a:t>11/3/2015</a:t>
             </a:fld>
             <a:endParaRPr lang="en-US" dirty="0"/>
           </a:p>
@@ -2276,7 +2276,7 @@
           <a:p>
             <a:fld id="{605C5E75-09B0-4CF3-B29D-FA3154961405}" type="datetime1">
               <a:rPr lang="en-US" smtClean="0"/>
-              <a:t>11/2/2015</a:t>
+              <a:t>11/3/2015</a:t>
             </a:fld>
             <a:endParaRPr lang="en-US" dirty="0"/>
           </a:p>
@@ -2537,7 +2537,7 @@
           <a:p>
             <a:fld id="{35317F09-1C0A-40DB-A388-B93C1204D6E0}" type="datetime1">
               <a:rPr lang="en-US" smtClean="0"/>
-              <a:t>11/2/2015</a:t>
+              <a:t>11/3/2015</a:t>
             </a:fld>
             <a:endParaRPr lang="en-US" dirty="0"/>
           </a:p>
@@ -3082,7 +3082,7 @@
           <a:p>
             <a:fld id="{E6E1021A-3066-4377-AE46-34451A42DB55}" type="datetime1">
               <a:rPr lang="en-US" smtClean="0"/>
-              <a:t>11/2/2015</a:t>
+              <a:t>11/3/2015</a:t>
             </a:fld>
             <a:endParaRPr lang="en-US" dirty="0"/>
           </a:p>
@@ -3392,7 +3392,7 @@
           <a:p>
             <a:fld id="{B949320D-6610-40B6-943C-2DFE0232E084}" type="datetime1">
               <a:rPr lang="en-US" smtClean="0"/>
-              <a:t>11/2/2015</a:t>
+              <a:t>11/3/2015</a:t>
             </a:fld>
             <a:endParaRPr lang="en-US" dirty="0"/>
           </a:p>
@@ -3579,7 +3579,7 @@
           <a:p>
             <a:fld id="{1961B4AB-37C7-40CC-82D3-4F78CA1E0A6A}" type="datetime1">
               <a:rPr lang="en-US" smtClean="0"/>
-              <a:t>11/2/2015</a:t>
+              <a:t>11/3/2015</a:t>
             </a:fld>
             <a:endParaRPr lang="en-US" dirty="0"/>
           </a:p>
@@ -3772,7 +3772,7 @@
           <a:p>
             <a:fld id="{9AC3C7DC-41E5-43D2-8A30-37B11E328699}" type="datetime1">
               <a:rPr lang="en-US" smtClean="0"/>
-              <a:t>11/2/2015</a:t>
+              <a:t>11/3/2015</a:t>
             </a:fld>
             <a:endParaRPr lang="en-US" dirty="0"/>
           </a:p>
@@ -3955,7 +3955,7 @@
           <a:p>
             <a:fld id="{D520D232-DB26-4972-811B-56E4F5C34BD5}" type="datetime1">
               <a:rPr lang="en-US" smtClean="0"/>
-              <a:t>11/2/2015</a:t>
+              <a:t>11/3/2015</a:t>
             </a:fld>
             <a:endParaRPr lang="en-US" dirty="0"/>
           </a:p>
@@ -4219,7 +4219,7 @@
           <a:p>
             <a:fld id="{7A3A50E2-02F1-4A1A-97FF-C3AB7460C2F8}" type="datetime1">
               <a:rPr lang="en-US" smtClean="0"/>
-              <a:t>11/2/2015</a:t>
+              <a:t>11/3/2015</a:t>
             </a:fld>
             <a:endParaRPr lang="en-US" dirty="0"/>
           </a:p>
@@ -4529,7 +4529,7 @@
           <a:p>
             <a:fld id="{452724BF-7D43-49F3-A455-B267CFDBB957}" type="datetime1">
               <a:rPr lang="en-US" smtClean="0"/>
-              <a:t>11/2/2015</a:t>
+              <a:t>11/3/2015</a:t>
             </a:fld>
             <a:endParaRPr lang="en-US" dirty="0"/>
           </a:p>
@@ -4984,7 +4984,7 @@
           <a:p>
             <a:fld id="{7AD88305-C573-4E09-8C35-EB81A1C8C870}" type="datetime1">
               <a:rPr lang="en-US" smtClean="0"/>
-              <a:t>11/2/2015</a:t>
+              <a:t>11/3/2015</a:t>
             </a:fld>
             <a:endParaRPr lang="en-US" dirty="0"/>
           </a:p>
@@ -5115,7 +5115,7 @@
           <a:p>
             <a:fld id="{DE014D2C-14F0-4454-BC0A-199F41561A83}" type="datetime1">
               <a:rPr lang="en-US" smtClean="0"/>
-              <a:t>11/2/2015</a:t>
+              <a:t>11/3/2015</a:t>
             </a:fld>
             <a:endParaRPr lang="en-US" dirty="0"/>
           </a:p>
@@ -5223,7 +5223,7 @@
           <a:p>
             <a:fld id="{9C13C588-8271-44D7-962D-01FA3F2DCA5A}" type="datetime1">
               <a:rPr lang="en-US" smtClean="0"/>
-              <a:t>11/2/2015</a:t>
+              <a:t>11/3/2015</a:t>
             </a:fld>
             <a:endParaRPr lang="en-US" dirty="0"/>
           </a:p>
@@ -5519,7 +5519,7 @@
           <a:p>
             <a:fld id="{3C30451C-A70E-4957-9B26-768FD7A7E217}" type="datetime1">
               <a:rPr lang="en-US" smtClean="0"/>
-              <a:t>11/2/2015</a:t>
+              <a:t>11/3/2015</a:t>
             </a:fld>
             <a:endParaRPr lang="en-US" dirty="0"/>
           </a:p>
@@ -5823,7 +5823,7 @@
           <a:p>
             <a:fld id="{789179B6-1BCE-47D6-91EB-00107561BC92}" type="datetime1">
               <a:rPr lang="en-US" smtClean="0"/>
-              <a:t>11/2/2015</a:t>
+              <a:t>11/3/2015</a:t>
             </a:fld>
             <a:endParaRPr lang="en-US" dirty="0"/>
           </a:p>
@@ -6366,7 +6366,7 @@
           <a:p>
             <a:fld id="{D949B937-AFD1-40FB-BE02-4616F0CA4D40}" type="datetime1">
               <a:rPr lang="en-US" smtClean="0"/>
-              <a:t>11/2/2015</a:t>
+              <a:t>11/3/2015</a:t>
             </a:fld>
             <a:endParaRPr lang="en-US" dirty="0"/>
           </a:p>
@@ -7979,13 +7979,13 @@
   <p:clrMapOvr>
     <a:masterClrMapping/>
   </p:clrMapOvr>
-  <mc:AlternateContent xmlns:mc="http://schemas.openxmlformats.org/markup-compatibility/2006" xmlns:p15="http://schemas.microsoft.com/office/powerpoint/2012/main">
-    <mc:Choice Requires="p15">
+  <mc:AlternateContent xmlns:mc="http://schemas.openxmlformats.org/markup-compatibility/2006">
+    <mc:Choice xmlns:p15="http://schemas.microsoft.com/office/powerpoint/2012/main" xmlns="" Requires="p15">
       <p:transition xmlns:p14="http://schemas.microsoft.com/office/powerpoint/2010/main" spd="slow" p14:dur="5000">
         <p15:prstTrans prst="curtains"/>
       </p:transition>
     </mc:Choice>
-    <mc:Fallback xmlns="">
+    <mc:Fallback>
       <p:transition spd="slow">
         <p:fade/>
       </p:transition>
@@ -8440,13 +8440,13 @@
   <p:clrMapOvr>
     <a:masterClrMapping/>
   </p:clrMapOvr>
-  <mc:AlternateContent xmlns:mc="http://schemas.openxmlformats.org/markup-compatibility/2006" xmlns:p15="http://schemas.microsoft.com/office/powerpoint/2012/main">
-    <mc:Choice Requires="p15">
+  <mc:AlternateContent xmlns:mc="http://schemas.openxmlformats.org/markup-compatibility/2006">
+    <mc:Choice xmlns:p15="http://schemas.microsoft.com/office/powerpoint/2012/main" xmlns="" Requires="p15">
       <p:transition xmlns:p14="http://schemas.microsoft.com/office/powerpoint/2010/main" spd="slow" p14:dur="5000">
         <p15:prstTrans prst="curtains"/>
       </p:transition>
     </mc:Choice>
-    <mc:Fallback xmlns="">
+    <mc:Fallback>
       <p:transition spd="slow">
         <p:fade/>
       </p:transition>
@@ -8957,13 +8957,13 @@
   <p:clrMapOvr>
     <a:masterClrMapping/>
   </p:clrMapOvr>
-  <mc:AlternateContent xmlns:mc="http://schemas.openxmlformats.org/markup-compatibility/2006" xmlns:p15="http://schemas.microsoft.com/office/powerpoint/2012/main">
-    <mc:Choice Requires="p15">
+  <mc:AlternateContent xmlns:mc="http://schemas.openxmlformats.org/markup-compatibility/2006">
+    <mc:Choice xmlns:p15="http://schemas.microsoft.com/office/powerpoint/2012/main" xmlns="" Requires="p15">
       <p:transition xmlns:p14="http://schemas.microsoft.com/office/powerpoint/2010/main" spd="slow" p14:dur="5000">
         <p15:prstTrans prst="curtains"/>
       </p:transition>
     </mc:Choice>
-    <mc:Fallback xmlns="">
+    <mc:Fallback>
       <p:transition spd="slow">
         <p:fade/>
       </p:transition>
@@ -9170,7 +9170,7 @@
             <a:pPr algn="ctr"/>
             <a:r>
               <a:rPr lang="fr-FR" dirty="0" smtClean="0"/>
-              <a:t>Capteurs I²C</a:t>
+              <a:t>Capteur digital</a:t>
             </a:r>
             <a:endParaRPr lang="fr-FR" dirty="0"/>
           </a:p>
@@ -9338,8 +9338,8 @@
         </p:nvCxnSpPr>
         <p:spPr>
           <a:xfrm flipH="1">
-            <a:off x="4587761" y="5222887"/>
-            <a:ext cx="731214" cy="946440"/>
+            <a:off x="3900580" y="5222887"/>
+            <a:ext cx="403425" cy="372510"/>
           </a:xfrm>
           <a:prstGeom prst="straightConnector1">
             <a:avLst/>
@@ -9576,30 +9576,6 @@
               </a:rPr>
               <a:t>Synoptique </a:t>
             </a:r>
-            <a:endParaRPr lang="fr-FR" sz="5400" b="1" dirty="0" smtClean="0">
-              <a:ln/>
-              <a:pattFill prst="dkUpDiag">
-                <a:fgClr>
-                  <a:schemeClr val="bg1">
-                    <a:lumMod val="50000"/>
-                  </a:schemeClr>
-                </a:fgClr>
-                <a:bgClr>
-                  <a:schemeClr val="tx1">
-                    <a:lumMod val="75000"/>
-                    <a:lumOff val="25000"/>
-                  </a:schemeClr>
-                </a:bgClr>
-              </a:pattFill>
-              <a:effectLst>
-                <a:outerShdw blurRad="38100" dist="19050" dir="2700000" algn="tl" rotWithShape="0">
-                  <a:schemeClr val="dk1">
-                    <a:lumMod val="50000"/>
-                    <a:alpha val="40000"/>
-                  </a:schemeClr>
-                </a:outerShdw>
-              </a:effectLst>
-            </a:endParaRPr>
           </a:p>
           <a:p>
             <a:pPr algn="ctr"/>
@@ -9628,7 +9604,34 @@
                   </a:outerShdw>
                 </a:effectLst>
               </a:rPr>
-              <a:t>							capteurs digitales</a:t>
+              <a:t>							capteurs </a:t>
+            </a:r>
+            <a:r>
+              <a:rPr lang="fr-FR" sz="5400" b="1" dirty="0" smtClean="0">
+                <a:ln/>
+                <a:pattFill prst="dkUpDiag">
+                  <a:fgClr>
+                    <a:schemeClr val="bg1">
+                      <a:lumMod val="50000"/>
+                    </a:schemeClr>
+                  </a:fgClr>
+                  <a:bgClr>
+                    <a:schemeClr val="tx1">
+                      <a:lumMod val="75000"/>
+                      <a:lumOff val="25000"/>
+                    </a:schemeClr>
+                  </a:bgClr>
+                </a:pattFill>
+                <a:effectLst>
+                  <a:outerShdw blurRad="38100" dist="19050" dir="2700000" algn="tl" rotWithShape="0">
+                    <a:schemeClr val="dk1">
+                      <a:lumMod val="50000"/>
+                      <a:alpha val="40000"/>
+                    </a:schemeClr>
+                  </a:outerShdw>
+                </a:effectLst>
+              </a:rPr>
+              <a:t>digitaux</a:t>
             </a:r>
             <a:endParaRPr lang="fr-FR" sz="5400" b="1" dirty="0">
               <a:ln/>
@@ -9695,7 +9698,11 @@
             <a:pPr algn="ctr"/>
             <a:r>
               <a:rPr lang="fr-FR" dirty="0" smtClean="0"/>
-              <a:t>Pont en H</a:t>
+              <a:t>Pont </a:t>
+            </a:r>
+            <a:r>
+              <a:rPr lang="fr-FR" dirty="0" smtClean="0"/>
+              <a:t>diviseur de tension</a:t>
             </a:r>
             <a:endParaRPr lang="fr-FR" dirty="0"/>
           </a:p>
@@ -9745,8 +9752,8 @@
         </p:nvCxnSpPr>
         <p:spPr>
           <a:xfrm flipH="1" flipV="1">
-            <a:off x="5776375" y="4519788"/>
-            <a:ext cx="871469" cy="703099"/>
+            <a:off x="5876544" y="4854639"/>
+            <a:ext cx="962138" cy="368248"/>
           </a:xfrm>
           <a:prstGeom prst="straightConnector1">
             <a:avLst/>
@@ -9773,6 +9780,256 @@
           </a:fontRef>
         </p:style>
       </p:cxnSp>
+      <p:sp>
+        <p:nvSpPr>
+          <p:cNvPr id="19" name="ZoneTexte 18"/>
+          <p:cNvSpPr txBox="1"/>
+          <p:nvPr/>
+        </p:nvSpPr>
+        <p:spPr>
+          <a:xfrm>
+            <a:off x="6993428" y="2841971"/>
+            <a:ext cx="2344214" cy="400110"/>
+          </a:xfrm>
+          <a:prstGeom prst="rect">
+            <a:avLst/>
+          </a:prstGeom>
+          <a:noFill/>
+        </p:spPr>
+        <p:txBody>
+          <a:bodyPr wrap="square" rtlCol="0">
+            <a:spAutoFit/>
+          </a:bodyPr>
+          <a:lstStyle/>
+          <a:p>
+            <a:r>
+              <a:rPr lang="fr-FR" sz="2000" b="1" dirty="0" smtClean="0">
+                <a:solidFill>
+                  <a:schemeClr val="tx1">
+                    <a:lumMod val="65000"/>
+                    <a:lumOff val="35000"/>
+                  </a:schemeClr>
+                </a:solidFill>
+                <a:latin typeface="Arial" panose="020B0604020202020204" pitchFamily="34" charset="0"/>
+                <a:cs typeface="Arial" panose="020B0604020202020204" pitchFamily="34" charset="0"/>
+              </a:rPr>
+              <a:t>Communication</a:t>
+            </a:r>
+            <a:endParaRPr lang="fr-FR" sz="2000" b="1" dirty="0">
+              <a:solidFill>
+                <a:schemeClr val="tx1">
+                  <a:lumMod val="65000"/>
+                  <a:lumOff val="35000"/>
+                </a:schemeClr>
+              </a:solidFill>
+              <a:latin typeface="Arial" panose="020B0604020202020204" pitchFamily="34" charset="0"/>
+              <a:cs typeface="Arial" panose="020B0604020202020204" pitchFamily="34" charset="0"/>
+            </a:endParaRPr>
+          </a:p>
+        </p:txBody>
+      </p:sp>
+      <p:sp>
+        <p:nvSpPr>
+          <p:cNvPr id="24" name="ZoneTexte 23"/>
+          <p:cNvSpPr txBox="1"/>
+          <p:nvPr/>
+        </p:nvSpPr>
+        <p:spPr>
+          <a:xfrm>
+            <a:off x="5776375" y="3239297"/>
+            <a:ext cx="433132" cy="400110"/>
+          </a:xfrm>
+          <a:prstGeom prst="rect">
+            <a:avLst/>
+          </a:prstGeom>
+          <a:noFill/>
+        </p:spPr>
+        <p:txBody>
+          <a:bodyPr wrap="none" rtlCol="0">
+            <a:spAutoFit/>
+          </a:bodyPr>
+          <a:lstStyle/>
+          <a:p>
+            <a:r>
+              <a:rPr lang="fr-FR" sz="2000" b="1" dirty="0" smtClean="0">
+                <a:solidFill>
+                  <a:srgbClr val="FF0000"/>
+                </a:solidFill>
+                <a:latin typeface="Bernard MT Condensed" panose="02050806060905020404" pitchFamily="18" charset="0"/>
+              </a:rPr>
+              <a:t>5V</a:t>
+            </a:r>
+            <a:endParaRPr lang="fr-FR" sz="2000" b="1" dirty="0">
+              <a:solidFill>
+                <a:srgbClr val="FF0000"/>
+              </a:solidFill>
+              <a:latin typeface="Bernard MT Condensed" panose="02050806060905020404" pitchFamily="18" charset="0"/>
+            </a:endParaRPr>
+          </a:p>
+        </p:txBody>
+      </p:sp>
+      <p:sp>
+        <p:nvSpPr>
+          <p:cNvPr id="25" name="ZoneTexte 24"/>
+          <p:cNvSpPr txBox="1"/>
+          <p:nvPr/>
+        </p:nvSpPr>
+        <p:spPr>
+          <a:xfrm>
+            <a:off x="5318721" y="5171440"/>
+            <a:ext cx="1539204" cy="707886"/>
+          </a:xfrm>
+          <a:prstGeom prst="rect">
+            <a:avLst/>
+          </a:prstGeom>
+          <a:noFill/>
+        </p:spPr>
+        <p:txBody>
+          <a:bodyPr wrap="none" rtlCol="0">
+            <a:spAutoFit/>
+          </a:bodyPr>
+          <a:lstStyle/>
+          <a:p>
+            <a:r>
+              <a:rPr lang="fr-FR" sz="2000" b="1" dirty="0" smtClean="0">
+                <a:solidFill>
+                  <a:srgbClr val="FF0000"/>
+                </a:solidFill>
+                <a:latin typeface="Arial" panose="020B0604020202020204" pitchFamily="34" charset="0"/>
+                <a:cs typeface="Arial" panose="020B0604020202020204" pitchFamily="34" charset="0"/>
+              </a:rPr>
+              <a:t>Réponse</a:t>
+            </a:r>
+          </a:p>
+          <a:p>
+            <a:r>
+              <a:rPr lang="fr-FR" sz="2000" b="1" dirty="0" smtClean="0">
+                <a:solidFill>
+                  <a:srgbClr val="FF0000"/>
+                </a:solidFill>
+                <a:latin typeface="Arial" panose="020B0604020202020204" pitchFamily="34" charset="0"/>
+                <a:cs typeface="Arial" panose="020B0604020202020204" pitchFamily="34" charset="0"/>
+              </a:rPr>
+              <a:t>analogique</a:t>
+            </a:r>
+            <a:endParaRPr lang="fr-FR" sz="2000" b="1" dirty="0">
+              <a:solidFill>
+                <a:srgbClr val="FF0000"/>
+              </a:solidFill>
+              <a:latin typeface="Arial" panose="020B0604020202020204" pitchFamily="34" charset="0"/>
+              <a:cs typeface="Arial" panose="020B0604020202020204" pitchFamily="34" charset="0"/>
+            </a:endParaRPr>
+          </a:p>
+        </p:txBody>
+      </p:sp>
+      <p:sp>
+        <p:nvSpPr>
+          <p:cNvPr id="26" name="ZoneTexte 25"/>
+          <p:cNvSpPr txBox="1"/>
+          <p:nvPr/>
+        </p:nvSpPr>
+        <p:spPr>
+          <a:xfrm>
+            <a:off x="2846431" y="4729486"/>
+            <a:ext cx="1402948" cy="646331"/>
+          </a:xfrm>
+          <a:prstGeom prst="rect">
+            <a:avLst/>
+          </a:prstGeom>
+          <a:noFill/>
+        </p:spPr>
+        <p:txBody>
+          <a:bodyPr wrap="none" rtlCol="0">
+            <a:spAutoFit/>
+          </a:bodyPr>
+          <a:lstStyle/>
+          <a:p>
+            <a:r>
+              <a:rPr lang="fr-FR" b="1" dirty="0" smtClean="0">
+                <a:solidFill>
+                  <a:srgbClr val="FF0000"/>
+                </a:solidFill>
+                <a:latin typeface="Arial" panose="020B0604020202020204" pitchFamily="34" charset="0"/>
+                <a:cs typeface="Arial" panose="020B0604020202020204" pitchFamily="34" charset="0"/>
+              </a:rPr>
+              <a:t>Réponse</a:t>
+            </a:r>
+          </a:p>
+          <a:p>
+            <a:r>
+              <a:rPr lang="fr-FR" b="1" dirty="0" smtClean="0">
+                <a:solidFill>
+                  <a:srgbClr val="FF0000"/>
+                </a:solidFill>
+                <a:latin typeface="Arial" panose="020B0604020202020204" pitchFamily="34" charset="0"/>
+                <a:cs typeface="Arial" panose="020B0604020202020204" pitchFamily="34" charset="0"/>
+              </a:rPr>
+              <a:t>analogique</a:t>
+            </a:r>
+            <a:endParaRPr lang="fr-FR" b="1" dirty="0">
+              <a:solidFill>
+                <a:srgbClr val="FF0000"/>
+              </a:solidFill>
+              <a:latin typeface="Arial" panose="020B0604020202020204" pitchFamily="34" charset="0"/>
+              <a:cs typeface="Arial" panose="020B0604020202020204" pitchFamily="34" charset="0"/>
+            </a:endParaRPr>
+          </a:p>
+        </p:txBody>
+      </p:sp>
+      <p:sp>
+        <p:nvSpPr>
+          <p:cNvPr id="28" name="ZoneTexte 27"/>
+          <p:cNvSpPr txBox="1"/>
+          <p:nvPr/>
+        </p:nvSpPr>
+        <p:spPr>
+          <a:xfrm>
+            <a:off x="1077156" y="2598729"/>
+            <a:ext cx="1495922" cy="707886"/>
+          </a:xfrm>
+          <a:prstGeom prst="rect">
+            <a:avLst/>
+          </a:prstGeom>
+          <a:noFill/>
+        </p:spPr>
+        <p:txBody>
+          <a:bodyPr wrap="none" rtlCol="0">
+            <a:spAutoFit/>
+          </a:bodyPr>
+          <a:lstStyle/>
+          <a:p>
+            <a:r>
+              <a:rPr lang="fr-FR" sz="2000" b="1" dirty="0" smtClean="0">
+                <a:solidFill>
+                  <a:srgbClr val="FF0000"/>
+                </a:solidFill>
+                <a:latin typeface="Arial" panose="020B0604020202020204" pitchFamily="34" charset="0"/>
+                <a:cs typeface="Arial" panose="020B0604020202020204" pitchFamily="34" charset="0"/>
+              </a:rPr>
+              <a:t>Réponse</a:t>
+            </a:r>
+          </a:p>
+          <a:p>
+            <a:r>
+              <a:rPr lang="fr-FR" sz="2000" b="1" dirty="0" smtClean="0">
+                <a:solidFill>
+                  <a:srgbClr val="FF0000"/>
+                </a:solidFill>
+                <a:latin typeface="Arial" panose="020B0604020202020204" pitchFamily="34" charset="0"/>
+                <a:cs typeface="Arial" panose="020B0604020202020204" pitchFamily="34" charset="0"/>
+              </a:rPr>
+              <a:t>numérique</a:t>
+            </a:r>
+            <a:endParaRPr lang="fr-FR" sz="2000" b="1" dirty="0">
+              <a:solidFill>
+                <a:srgbClr val="FF0000"/>
+              </a:solidFill>
+              <a:latin typeface="Arial" panose="020B0604020202020204" pitchFamily="34" charset="0"/>
+              <a:cs typeface="Arial" panose="020B0604020202020204" pitchFamily="34" charset="0"/>
+            </a:endParaRPr>
+          </a:p>
+        </p:txBody>
+      </p:sp>
     </p:spTree>
     <p:extLst>
       <p:ext uri="{BB962C8B-B14F-4D97-AF65-F5344CB8AC3E}">
@@ -9783,13 +10040,13 @@
   <p:clrMapOvr>
     <a:masterClrMapping/>
   </p:clrMapOvr>
-  <mc:AlternateContent xmlns:mc="http://schemas.openxmlformats.org/markup-compatibility/2006" xmlns:p15="http://schemas.microsoft.com/office/powerpoint/2012/main">
-    <mc:Choice Requires="p15">
+  <mc:AlternateContent xmlns:mc="http://schemas.openxmlformats.org/markup-compatibility/2006">
+    <mc:Choice xmlns:p15="http://schemas.microsoft.com/office/powerpoint/2012/main" xmlns="" Requires="p15">
       <p:transition xmlns:p14="http://schemas.microsoft.com/office/powerpoint/2010/main" spd="slow" p14:dur="5000">
         <p15:prstTrans prst="curtains"/>
       </p:transition>
     </mc:Choice>
-    <mc:Fallback xmlns="">
+    <mc:Fallback>
       <p:transition spd="slow">
         <p:fade/>
       </p:transition>
@@ -9996,7 +10253,11 @@
             <a:pPr algn="ctr"/>
             <a:r>
               <a:rPr lang="fr-FR" dirty="0" smtClean="0"/>
-              <a:t>Capteurs I²C</a:t>
+              <a:t>Capteur </a:t>
+            </a:r>
+            <a:r>
+              <a:rPr lang="fr-FR" dirty="0" smtClean="0"/>
+              <a:t>I²C</a:t>
             </a:r>
             <a:endParaRPr lang="fr-FR" dirty="0"/>
           </a:p>
@@ -10040,15 +10301,7 @@
             <a:pPr algn="ctr"/>
             <a:r>
               <a:rPr lang="fr-FR" dirty="0" smtClean="0"/>
-              <a:t>3,3 </a:t>
-            </a:r>
-            <a:r>
-              <a:rPr lang="fr-FR" dirty="0" smtClean="0"/>
-              <a:t>V &lt;-&gt; </a:t>
-            </a:r>
-            <a:r>
-              <a:rPr lang="fr-FR" dirty="0" smtClean="0"/>
-              <a:t>5V </a:t>
+              <a:t>3,3 V &lt;-&gt; 5V </a:t>
             </a:r>
           </a:p>
           <a:p>
@@ -10301,8 +10554,8 @@
         </p:nvCxnSpPr>
         <p:spPr>
           <a:xfrm flipH="1">
-            <a:off x="4587761" y="5222887"/>
-            <a:ext cx="731214" cy="946440"/>
+            <a:off x="4043093" y="5222887"/>
+            <a:ext cx="226689" cy="372510"/>
           </a:xfrm>
           <a:prstGeom prst="straightConnector1">
             <a:avLst/>
@@ -10425,8 +10678,8 @@
         </p:nvCxnSpPr>
         <p:spPr>
           <a:xfrm flipH="1" flipV="1">
-            <a:off x="2189809" y="4854641"/>
-            <a:ext cx="1172365" cy="740756"/>
+            <a:off x="2328673" y="4854639"/>
+            <a:ext cx="719529" cy="740758"/>
           </a:xfrm>
           <a:prstGeom prst="straightConnector1">
             <a:avLst/>
@@ -10537,61 +10790,7 @@
                   </a:outerShdw>
                 </a:effectLst>
               </a:rPr>
-              <a:t>Synoptique </a:t>
-            </a:r>
-            <a:r>
-              <a:rPr lang="fr-FR" sz="5400" b="1" dirty="0" smtClean="0">
-                <a:ln/>
-                <a:pattFill prst="dkUpDiag">
-                  <a:fgClr>
-                    <a:schemeClr val="bg1">
-                      <a:lumMod val="50000"/>
-                    </a:schemeClr>
-                  </a:fgClr>
-                  <a:bgClr>
-                    <a:schemeClr val="tx1">
-                      <a:lumMod val="75000"/>
-                      <a:lumOff val="25000"/>
-                    </a:schemeClr>
-                  </a:bgClr>
-                </a:pattFill>
-                <a:effectLst>
-                  <a:outerShdw blurRad="38100" dist="19050" dir="2700000" algn="tl" rotWithShape="0">
-                    <a:schemeClr val="dk1">
-                      <a:lumMod val="50000"/>
-                      <a:alpha val="40000"/>
-                    </a:schemeClr>
-                  </a:outerShdw>
-                </a:effectLst>
-              </a:rPr>
-              <a:t>capteurs </a:t>
-            </a:r>
-            <a:r>
-              <a:rPr lang="fr-FR" sz="5400" b="1" dirty="0" smtClean="0">
-                <a:ln/>
-                <a:pattFill prst="dkUpDiag">
-                  <a:fgClr>
-                    <a:schemeClr val="bg1">
-                      <a:lumMod val="50000"/>
-                    </a:schemeClr>
-                  </a:fgClr>
-                  <a:bgClr>
-                    <a:schemeClr val="tx1">
-                      <a:lumMod val="75000"/>
-                      <a:lumOff val="25000"/>
-                    </a:schemeClr>
-                  </a:bgClr>
-                </a:pattFill>
-                <a:effectLst>
-                  <a:outerShdw blurRad="38100" dist="19050" dir="2700000" algn="tl" rotWithShape="0">
-                    <a:schemeClr val="dk1">
-                      <a:lumMod val="50000"/>
-                      <a:alpha val="40000"/>
-                    </a:schemeClr>
-                  </a:outerShdw>
-                </a:effectLst>
-              </a:rPr>
-              <a:t>I²C</a:t>
+              <a:t>Synoptique capteurs I²C</a:t>
             </a:r>
             <a:endParaRPr lang="fr-FR" sz="5400" b="1" dirty="0">
               <a:ln/>
@@ -10658,7 +10857,7 @@
             <a:pPr algn="ctr"/>
             <a:r>
               <a:rPr lang="fr-FR" dirty="0" smtClean="0"/>
-              <a:t>Pont en H</a:t>
+              <a:t>Pont diviseur de tension</a:t>
             </a:r>
             <a:endParaRPr lang="fr-FR" dirty="0"/>
           </a:p>
@@ -10708,8 +10907,8 @@
         </p:nvCxnSpPr>
         <p:spPr>
           <a:xfrm flipH="1" flipV="1">
-            <a:off x="5776375" y="4519788"/>
-            <a:ext cx="871469" cy="703099"/>
+            <a:off x="5864352" y="4854639"/>
+            <a:ext cx="985262" cy="198014"/>
           </a:xfrm>
           <a:prstGeom prst="straightConnector1">
             <a:avLst/>
@@ -10736,6 +10935,300 @@
           </a:fontRef>
         </p:style>
       </p:cxnSp>
+      <p:sp>
+        <p:nvSpPr>
+          <p:cNvPr id="25" name="ZoneTexte 24"/>
+          <p:cNvSpPr txBox="1"/>
+          <p:nvPr/>
+        </p:nvSpPr>
+        <p:spPr>
+          <a:xfrm>
+            <a:off x="5960127" y="2225351"/>
+            <a:ext cx="455574" cy="400110"/>
+          </a:xfrm>
+          <a:prstGeom prst="rect">
+            <a:avLst/>
+          </a:prstGeom>
+          <a:noFill/>
+        </p:spPr>
+        <p:txBody>
+          <a:bodyPr wrap="none" rtlCol="0">
+            <a:spAutoFit/>
+          </a:bodyPr>
+          <a:lstStyle/>
+          <a:p>
+            <a:r>
+              <a:rPr lang="fr-FR" sz="2000" b="1" dirty="0" smtClean="0">
+                <a:solidFill>
+                  <a:schemeClr val="tx1">
+                    <a:lumMod val="65000"/>
+                    <a:lumOff val="35000"/>
+                  </a:schemeClr>
+                </a:solidFill>
+                <a:latin typeface="Bernard MT Condensed" panose="02050806060905020404" pitchFamily="18" charset="0"/>
+              </a:rPr>
+              <a:t>I²C</a:t>
+            </a:r>
+            <a:endParaRPr lang="fr-FR" sz="2000" b="1" dirty="0">
+              <a:solidFill>
+                <a:schemeClr val="tx1">
+                  <a:lumMod val="65000"/>
+                  <a:lumOff val="35000"/>
+                </a:schemeClr>
+              </a:solidFill>
+              <a:latin typeface="Bernard MT Condensed" panose="02050806060905020404" pitchFamily="18" charset="0"/>
+            </a:endParaRPr>
+          </a:p>
+        </p:txBody>
+      </p:sp>
+      <p:sp>
+        <p:nvSpPr>
+          <p:cNvPr id="26" name="ZoneTexte 25"/>
+          <p:cNvSpPr txBox="1"/>
+          <p:nvPr/>
+        </p:nvSpPr>
+        <p:spPr>
+          <a:xfrm>
+            <a:off x="8854167" y="3239297"/>
+            <a:ext cx="455574" cy="400110"/>
+          </a:xfrm>
+          <a:prstGeom prst="rect">
+            <a:avLst/>
+          </a:prstGeom>
+          <a:noFill/>
+        </p:spPr>
+        <p:txBody>
+          <a:bodyPr wrap="none" rtlCol="0">
+            <a:spAutoFit/>
+          </a:bodyPr>
+          <a:lstStyle/>
+          <a:p>
+            <a:r>
+              <a:rPr lang="fr-FR" sz="2000" b="1" dirty="0" smtClean="0">
+                <a:solidFill>
+                  <a:schemeClr val="tx1">
+                    <a:lumMod val="65000"/>
+                    <a:lumOff val="35000"/>
+                  </a:schemeClr>
+                </a:solidFill>
+                <a:latin typeface="Bernard MT Condensed" panose="02050806060905020404" pitchFamily="18" charset="0"/>
+              </a:rPr>
+              <a:t>I²C</a:t>
+            </a:r>
+            <a:endParaRPr lang="fr-FR" sz="2000" b="1" dirty="0">
+              <a:solidFill>
+                <a:schemeClr val="tx1">
+                  <a:lumMod val="65000"/>
+                  <a:lumOff val="35000"/>
+                </a:schemeClr>
+              </a:solidFill>
+              <a:latin typeface="Bernard MT Condensed" panose="02050806060905020404" pitchFamily="18" charset="0"/>
+            </a:endParaRPr>
+          </a:p>
+        </p:txBody>
+      </p:sp>
+      <p:sp>
+        <p:nvSpPr>
+          <p:cNvPr id="28" name="ZoneTexte 27"/>
+          <p:cNvSpPr txBox="1"/>
+          <p:nvPr/>
+        </p:nvSpPr>
+        <p:spPr>
+          <a:xfrm>
+            <a:off x="5778977" y="3223330"/>
+            <a:ext cx="433132" cy="400110"/>
+          </a:xfrm>
+          <a:prstGeom prst="rect">
+            <a:avLst/>
+          </a:prstGeom>
+          <a:noFill/>
+        </p:spPr>
+        <p:txBody>
+          <a:bodyPr wrap="none" rtlCol="0">
+            <a:spAutoFit/>
+          </a:bodyPr>
+          <a:lstStyle/>
+          <a:p>
+            <a:r>
+              <a:rPr lang="fr-FR" sz="2000" b="1" dirty="0" smtClean="0">
+                <a:solidFill>
+                  <a:srgbClr val="FF0000"/>
+                </a:solidFill>
+                <a:latin typeface="Bernard MT Condensed" panose="02050806060905020404" pitchFamily="18" charset="0"/>
+              </a:rPr>
+              <a:t>5V</a:t>
+            </a:r>
+            <a:endParaRPr lang="fr-FR" sz="2000" b="1" dirty="0">
+              <a:solidFill>
+                <a:srgbClr val="FF0000"/>
+              </a:solidFill>
+              <a:latin typeface="Bernard MT Condensed" panose="02050806060905020404" pitchFamily="18" charset="0"/>
+            </a:endParaRPr>
+          </a:p>
+        </p:txBody>
+      </p:sp>
+      <p:sp>
+        <p:nvSpPr>
+          <p:cNvPr id="32" name="ZoneTexte 31"/>
+          <p:cNvSpPr txBox="1"/>
+          <p:nvPr/>
+        </p:nvSpPr>
+        <p:spPr>
+          <a:xfrm>
+            <a:off x="925507" y="2598729"/>
+            <a:ext cx="1495922" cy="707886"/>
+          </a:xfrm>
+          <a:prstGeom prst="rect">
+            <a:avLst/>
+          </a:prstGeom>
+          <a:noFill/>
+        </p:spPr>
+        <p:txBody>
+          <a:bodyPr wrap="none" rtlCol="0">
+            <a:spAutoFit/>
+          </a:bodyPr>
+          <a:lstStyle/>
+          <a:p>
+            <a:r>
+              <a:rPr lang="fr-FR" sz="2000" b="1" dirty="0" smtClean="0">
+                <a:solidFill>
+                  <a:srgbClr val="FF0000"/>
+                </a:solidFill>
+                <a:latin typeface="Arial" panose="020B0604020202020204" pitchFamily="34" charset="0"/>
+                <a:cs typeface="Arial" panose="020B0604020202020204" pitchFamily="34" charset="0"/>
+              </a:rPr>
+              <a:t>Réponse</a:t>
+            </a:r>
+          </a:p>
+          <a:p>
+            <a:r>
+              <a:rPr lang="fr-FR" sz="2000" b="1" dirty="0" smtClean="0">
+                <a:solidFill>
+                  <a:srgbClr val="FF0000"/>
+                </a:solidFill>
+                <a:latin typeface="Arial" panose="020B0604020202020204" pitchFamily="34" charset="0"/>
+                <a:cs typeface="Arial" panose="020B0604020202020204" pitchFamily="34" charset="0"/>
+              </a:rPr>
+              <a:t>numérique</a:t>
+            </a:r>
+            <a:endParaRPr lang="fr-FR" sz="2000" b="1" dirty="0">
+              <a:solidFill>
+                <a:srgbClr val="FF0000"/>
+              </a:solidFill>
+              <a:latin typeface="Arial" panose="020B0604020202020204" pitchFamily="34" charset="0"/>
+              <a:cs typeface="Arial" panose="020B0604020202020204" pitchFamily="34" charset="0"/>
+            </a:endParaRPr>
+          </a:p>
+        </p:txBody>
+      </p:sp>
+      <p:sp>
+        <p:nvSpPr>
+          <p:cNvPr id="33" name="ZoneTexte 32"/>
+          <p:cNvSpPr txBox="1"/>
+          <p:nvPr/>
+        </p:nvSpPr>
+        <p:spPr>
+          <a:xfrm>
+            <a:off x="2806329" y="4762811"/>
+            <a:ext cx="1402948" cy="646331"/>
+          </a:xfrm>
+          <a:prstGeom prst="rect">
+            <a:avLst/>
+          </a:prstGeom>
+          <a:noFill/>
+        </p:spPr>
+        <p:txBody>
+          <a:bodyPr wrap="none" rtlCol="0">
+            <a:spAutoFit/>
+          </a:bodyPr>
+          <a:lstStyle/>
+          <a:p>
+            <a:r>
+              <a:rPr lang="fr-FR" b="1" dirty="0" smtClean="0">
+                <a:solidFill>
+                  <a:srgbClr val="FF0000"/>
+                </a:solidFill>
+                <a:latin typeface="Arial" panose="020B0604020202020204" pitchFamily="34" charset="0"/>
+                <a:cs typeface="Arial" panose="020B0604020202020204" pitchFamily="34" charset="0"/>
+              </a:rPr>
+              <a:t>Réponse</a:t>
+            </a:r>
+          </a:p>
+          <a:p>
+            <a:r>
+              <a:rPr lang="fr-FR" b="1" dirty="0" smtClean="0">
+                <a:solidFill>
+                  <a:srgbClr val="FF0000"/>
+                </a:solidFill>
+                <a:latin typeface="Arial" panose="020B0604020202020204" pitchFamily="34" charset="0"/>
+                <a:cs typeface="Arial" panose="020B0604020202020204" pitchFamily="34" charset="0"/>
+              </a:rPr>
+              <a:t>analogique</a:t>
+            </a:r>
+            <a:endParaRPr lang="fr-FR" b="1" dirty="0">
+              <a:solidFill>
+                <a:srgbClr val="FF0000"/>
+              </a:solidFill>
+              <a:latin typeface="Arial" panose="020B0604020202020204" pitchFamily="34" charset="0"/>
+              <a:cs typeface="Arial" panose="020B0604020202020204" pitchFamily="34" charset="0"/>
+            </a:endParaRPr>
+          </a:p>
+        </p:txBody>
+      </p:sp>
+      <p:sp>
+        <p:nvSpPr>
+          <p:cNvPr id="34" name="ZoneTexte 33"/>
+          <p:cNvSpPr txBox="1"/>
+          <p:nvPr/>
+        </p:nvSpPr>
+        <p:spPr>
+          <a:xfrm>
+            <a:off x="5318721" y="5055199"/>
+            <a:ext cx="1539204" cy="707886"/>
+          </a:xfrm>
+          <a:prstGeom prst="rect">
+            <a:avLst/>
+          </a:prstGeom>
+          <a:noFill/>
+        </p:spPr>
+        <p:txBody>
+          <a:bodyPr wrap="none" rtlCol="0">
+            <a:spAutoFit/>
+          </a:bodyPr>
+          <a:lstStyle/>
+          <a:p>
+            <a:r>
+              <a:rPr lang="fr-FR" sz="2000" b="1" dirty="0" smtClean="0">
+                <a:solidFill>
+                  <a:srgbClr val="FF0000"/>
+                </a:solidFill>
+                <a:latin typeface="Arial" panose="020B0604020202020204" pitchFamily="34" charset="0"/>
+                <a:cs typeface="Arial" panose="020B0604020202020204" pitchFamily="34" charset="0"/>
+              </a:rPr>
+              <a:t>Réponse</a:t>
+            </a:r>
+          </a:p>
+          <a:p>
+            <a:r>
+              <a:rPr lang="fr-FR" sz="2000" b="1" dirty="0" smtClean="0">
+                <a:solidFill>
+                  <a:srgbClr val="FF0000"/>
+                </a:solidFill>
+                <a:latin typeface="Arial" panose="020B0604020202020204" pitchFamily="34" charset="0"/>
+                <a:cs typeface="Arial" panose="020B0604020202020204" pitchFamily="34" charset="0"/>
+              </a:rPr>
+              <a:t>analogique</a:t>
+            </a:r>
+            <a:endParaRPr lang="fr-FR" sz="2000" b="1" dirty="0">
+              <a:solidFill>
+                <a:srgbClr val="FF0000"/>
+              </a:solidFill>
+              <a:latin typeface="Arial" panose="020B0604020202020204" pitchFamily="34" charset="0"/>
+              <a:cs typeface="Arial" panose="020B0604020202020204" pitchFamily="34" charset="0"/>
+            </a:endParaRPr>
+          </a:p>
+        </p:txBody>
+      </p:sp>
     </p:spTree>
     <p:extLst>
       <p:ext uri="{BB962C8B-B14F-4D97-AF65-F5344CB8AC3E}">
@@ -10746,13 +11239,13 @@
   <p:clrMapOvr>
     <a:masterClrMapping/>
   </p:clrMapOvr>
-  <mc:AlternateContent xmlns:mc="http://schemas.openxmlformats.org/markup-compatibility/2006" xmlns:p15="http://schemas.microsoft.com/office/powerpoint/2012/main">
-    <mc:Choice Requires="p15">
+  <mc:AlternateContent xmlns:mc="http://schemas.openxmlformats.org/markup-compatibility/2006">
+    <mc:Choice xmlns:p15="http://schemas.microsoft.com/office/powerpoint/2012/main" xmlns="" Requires="p15">
       <p:transition xmlns:p14="http://schemas.microsoft.com/office/powerpoint/2010/main" spd="slow" p14:dur="5000">
         <p15:prstTrans prst="curtains"/>
       </p:transition>
     </mc:Choice>
-    <mc:Fallback xmlns="">
+    <mc:Fallback>
       <p:transition spd="slow">
         <p:fade/>
       </p:transition>
@@ -10962,8 +11455,8 @@
               <a:t>Moteur + </a:t>
             </a:r>
             <a:r>
-              <a:rPr lang="fr-FR" dirty="0" err="1" smtClean="0"/>
-              <a:t>Tacco</a:t>
+              <a:rPr lang="fr-FR" dirty="0" smtClean="0"/>
+              <a:t>Tachymètre</a:t>
             </a:r>
             <a:endParaRPr lang="fr-FR" dirty="0"/>
           </a:p>
@@ -11029,10 +11522,7 @@
           </a:prstGeom>
           <a:ln w="76200">
             <a:solidFill>
-              <a:schemeClr val="tx1">
-                <a:lumMod val="65000"/>
-                <a:lumOff val="35000"/>
-              </a:schemeClr>
+              <a:srgbClr val="FF0000"/>
             </a:solidFill>
             <a:tailEnd type="triangle"/>
           </a:ln>
@@ -11060,7 +11550,7 @@
         </p:nvCxnSpPr>
         <p:spPr>
           <a:xfrm flipH="1">
-            <a:off x="7830355" y="2632560"/>
+            <a:off x="8135155" y="2632560"/>
             <a:ext cx="12879" cy="1697932"/>
           </a:xfrm>
           <a:prstGeom prst="straightConnector1">
@@ -11068,10 +11558,7 @@
           </a:prstGeom>
           <a:ln w="76200">
             <a:solidFill>
-              <a:schemeClr val="tx1">
-                <a:lumMod val="65000"/>
-                <a:lumOff val="35000"/>
-              </a:schemeClr>
+              <a:srgbClr val="FF0000"/>
             </a:solidFill>
             <a:tailEnd type="triangle"/>
           </a:ln>
@@ -11703,13 +12190,13 @@
   <p:clrMapOvr>
     <a:masterClrMapping/>
   </p:clrMapOvr>
-  <mc:AlternateContent xmlns:mc="http://schemas.openxmlformats.org/markup-compatibility/2006" xmlns:p15="http://schemas.microsoft.com/office/powerpoint/2012/main">
-    <mc:Choice Requires="p15">
+  <mc:AlternateContent xmlns:mc="http://schemas.openxmlformats.org/markup-compatibility/2006">
+    <mc:Choice xmlns:p15="http://schemas.microsoft.com/office/powerpoint/2012/main" xmlns="" Requires="p15">
       <p:transition xmlns:p14="http://schemas.microsoft.com/office/powerpoint/2010/main" spd="slow" p14:dur="5000">
         <p15:prstTrans prst="curtains"/>
       </p:transition>
     </mc:Choice>
-    <mc:Fallback xmlns="">
+    <mc:Fallback>
       <p:transition spd="slow">
         <p:fade/>
       </p:transition>
@@ -11866,13 +12353,13 @@
   <p:clrMapOvr>
     <a:masterClrMapping/>
   </p:clrMapOvr>
-  <mc:AlternateContent xmlns:mc="http://schemas.openxmlformats.org/markup-compatibility/2006" xmlns:p15="http://schemas.microsoft.com/office/powerpoint/2012/main">
-    <mc:Choice Requires="p15">
+  <mc:AlternateContent xmlns:mc="http://schemas.openxmlformats.org/markup-compatibility/2006">
+    <mc:Choice xmlns:p15="http://schemas.microsoft.com/office/powerpoint/2012/main" xmlns="" Requires="p15">
       <p:transition xmlns:p14="http://schemas.microsoft.com/office/powerpoint/2010/main" spd="slow" p14:dur="5000">
         <p15:prstTrans prst="curtains"/>
       </p:transition>
     </mc:Choice>
-    <mc:Fallback xmlns="">
+    <mc:Fallback>
       <p:transition spd="slow">
         <p:fade/>
       </p:transition>
@@ -12138,7 +12625,7 @@
   <a:extraClrSchemeLst/>
   <a:extLst>
     <a:ext uri="{05A4C25C-085E-4340-85A3-A5531E510DB2}">
-      <thm15:themeFamily xmlns:thm15="http://schemas.microsoft.com/office/thememl/2012/main" name="Parallax" id="{3388167B-A2EB-4685-9635-1831D9AEF8C4}" vid="{4F7A876A-7598-49CA-AFC8-8EDA2551E4A7}"/>
+      <thm15:themeFamily xmlns:thm15="http://schemas.microsoft.com/office/thememl/2012/main" xmlns="" name="Parallax" id="{3388167B-A2EB-4685-9635-1831D9AEF8C4}" vid="{4F7A876A-7598-49CA-AFC8-8EDA2551E4A7}"/>
     </a:ext>
   </a:extLst>
 </a:theme>
@@ -12399,7 +12886,7 @@
   <a:extraClrSchemeLst/>
   <a:extLst>
     <a:ext uri="{05A4C25C-085E-4340-85A3-A5531E510DB2}">
-      <thm15:themeFamily xmlns:thm15="http://schemas.microsoft.com/office/thememl/2012/main" name="Office Theme" id="{62F939B6-93AF-4DB8-9C6B-D6C7DFDC589F}" vid="{4A3C46E8-61CC-4603-A589-7422A47A8E4A}"/>
+      <thm15:themeFamily xmlns:thm15="http://schemas.microsoft.com/office/thememl/2012/main" xmlns="" name="Office Theme" id="{62F939B6-93AF-4DB8-9C6B-D6C7DFDC589F}" vid="{4A3C46E8-61CC-4603-A589-7422A47A8E4A}"/>
     </a:ext>
   </a:extLst>
 </a:theme>

--- a/Diapo/Présentaion1.pptx
+++ b/Diapo/Présentaion1.pptx
@@ -11470,7 +11470,7 @@
         </p:nvSpPr>
         <p:spPr>
           <a:xfrm>
-            <a:off x="7472094" y="1480374"/>
+            <a:off x="7026572" y="1517780"/>
             <a:ext cx="1609860" cy="914400"/>
           </a:xfrm>
           <a:prstGeom prst="rect">
@@ -11515,7 +11515,7 @@
         <p:spPr>
           <a:xfrm flipV="1">
             <a:off x="5112914" y="1763709"/>
-            <a:ext cx="2189607" cy="6440"/>
+            <a:ext cx="1734636" cy="6440"/>
           </a:xfrm>
           <a:prstGeom prst="straightConnector1">
             <a:avLst/>
@@ -11550,7 +11550,7 @@
         </p:nvCxnSpPr>
         <p:spPr>
           <a:xfrm flipH="1">
-            <a:off x="8135155" y="2632560"/>
+            <a:off x="7689633" y="2669966"/>
             <a:ext cx="12879" cy="1697932"/>
           </a:xfrm>
           <a:prstGeom prst="straightConnector1">
@@ -11586,8 +11586,8 @@
         </p:nvCxnSpPr>
         <p:spPr>
           <a:xfrm flipH="1" flipV="1">
-            <a:off x="9281042" y="1909870"/>
-            <a:ext cx="1006630" cy="27705"/>
+            <a:off x="8835520" y="1947277"/>
+            <a:ext cx="1320416" cy="13851"/>
           </a:xfrm>
           <a:prstGeom prst="straightConnector1">
             <a:avLst/>
@@ -11622,7 +11622,7 @@
         </p:nvSpPr>
         <p:spPr>
           <a:xfrm>
-            <a:off x="9527476" y="1410655"/>
+            <a:off x="9081954" y="1448061"/>
             <a:ext cx="433132" cy="400110"/>
           </a:xfrm>
           <a:prstGeom prst="rect">
@@ -11944,7 +11944,7 @@
         </p:nvSpPr>
         <p:spPr>
           <a:xfrm>
-            <a:off x="10406130" y="1340441"/>
+            <a:off x="10329524" y="1333771"/>
             <a:ext cx="1695718" cy="1254713"/>
           </a:xfrm>
           <a:prstGeom prst="ellipse">
@@ -12108,8 +12108,8 @@
         </p:nvSpPr>
         <p:spPr>
           <a:xfrm>
-            <a:off x="5772338" y="1953183"/>
-            <a:ext cx="625492" cy="400110"/>
+            <a:off x="5308346" y="1873180"/>
+            <a:ext cx="1539204" cy="1015663"/>
           </a:xfrm>
           <a:prstGeom prst="rect">
             <a:avLst/>
@@ -12127,9 +12127,75 @@
                 <a:solidFill>
                   <a:srgbClr val="FF0000"/>
                 </a:solidFill>
+                <a:latin typeface="Arial" panose="020B0604020202020204" pitchFamily="34" charset="0"/>
+                <a:cs typeface="Arial" panose="020B0604020202020204" pitchFamily="34" charset="0"/>
+              </a:rPr>
+              <a:t>Tension de</a:t>
+            </a:r>
+          </a:p>
+          <a:p>
+            <a:r>
+              <a:rPr lang="fr-FR" sz="2000" b="1" dirty="0" smtClean="0">
+                <a:solidFill>
+                  <a:srgbClr val="FF0000"/>
+                </a:solidFill>
+                <a:latin typeface="Arial" panose="020B0604020202020204" pitchFamily="34" charset="0"/>
+                <a:cs typeface="Arial" panose="020B0604020202020204" pitchFamily="34" charset="0"/>
+              </a:rPr>
+              <a:t>commande</a:t>
+            </a:r>
+          </a:p>
+          <a:p>
+            <a:r>
+              <a:rPr lang="fr-FR" sz="2000" b="1" dirty="0" smtClean="0">
+                <a:solidFill>
+                  <a:srgbClr val="FF0000"/>
+                </a:solidFill>
+                <a:latin typeface="Arial" panose="020B0604020202020204" pitchFamily="34" charset="0"/>
+                <a:cs typeface="Arial" panose="020B0604020202020204" pitchFamily="34" charset="0"/>
+              </a:rPr>
+              <a:t> PWM 3,3V</a:t>
+            </a:r>
+            <a:endParaRPr lang="fr-FR" sz="2000" b="1" dirty="0">
+              <a:solidFill>
+                <a:srgbClr val="FF0000"/>
+              </a:solidFill>
+              <a:latin typeface="Arial" panose="020B0604020202020204" pitchFamily="34" charset="0"/>
+              <a:cs typeface="Arial" panose="020B0604020202020204" pitchFamily="34" charset="0"/>
+            </a:endParaRPr>
+          </a:p>
+        </p:txBody>
+      </p:sp>
+      <p:sp>
+        <p:nvSpPr>
+          <p:cNvPr id="34" name="ZoneTexte 33"/>
+          <p:cNvSpPr txBox="1"/>
+          <p:nvPr/>
+        </p:nvSpPr>
+        <p:spPr>
+          <a:xfrm>
+            <a:off x="7834543" y="3265155"/>
+            <a:ext cx="433132" cy="400110"/>
+          </a:xfrm>
+          <a:prstGeom prst="rect">
+            <a:avLst/>
+          </a:prstGeom>
+          <a:noFill/>
+        </p:spPr>
+        <p:txBody>
+          <a:bodyPr wrap="none" rtlCol="0">
+            <a:spAutoFit/>
+          </a:bodyPr>
+          <a:lstStyle/>
+          <a:p>
+            <a:r>
+              <a:rPr lang="fr-FR" sz="2000" b="1" dirty="0" smtClean="0">
+                <a:solidFill>
+                  <a:srgbClr val="FF0000"/>
+                </a:solidFill>
                 <a:latin typeface="Bernard MT Condensed" panose="02050806060905020404" pitchFamily="18" charset="0"/>
               </a:rPr>
-              <a:t>3,3V</a:t>
+              <a:t>9V</a:t>
             </a:r>
             <a:endParaRPr lang="fr-FR" sz="2000" b="1" dirty="0">
               <a:solidFill>
@@ -12142,14 +12208,14 @@
       </p:sp>
       <p:sp>
         <p:nvSpPr>
-          <p:cNvPr id="34" name="ZoneTexte 33"/>
+          <p:cNvPr id="25" name="ZoneTexte 24"/>
           <p:cNvSpPr txBox="1"/>
           <p:nvPr/>
         </p:nvSpPr>
         <p:spPr>
           <a:xfrm>
-            <a:off x="7217742" y="3139749"/>
-            <a:ext cx="433132" cy="400110"/>
+            <a:off x="8636432" y="2055062"/>
+            <a:ext cx="1693092" cy="400110"/>
           </a:xfrm>
           <a:prstGeom prst="rect">
             <a:avLst/>
@@ -12167,15 +12233,17 @@
                 <a:solidFill>
                   <a:srgbClr val="FF0000"/>
                 </a:solidFill>
-                <a:latin typeface="Bernard MT Condensed" panose="02050806060905020404" pitchFamily="18" charset="0"/>
+                <a:latin typeface="Arial" panose="020B0604020202020204" pitchFamily="34" charset="0"/>
+                <a:cs typeface="Arial" panose="020B0604020202020204" pitchFamily="34" charset="0"/>
               </a:rPr>
-              <a:t>9V</a:t>
+              <a:t>alimentation</a:t>
             </a:r>
             <a:endParaRPr lang="fr-FR" sz="2000" b="1" dirty="0">
               <a:solidFill>
                 <a:srgbClr val="FF0000"/>
               </a:solidFill>
-              <a:latin typeface="Bernard MT Condensed" panose="02050806060905020404" pitchFamily="18" charset="0"/>
+              <a:latin typeface="Arial" panose="020B0604020202020204" pitchFamily="34" charset="0"/>
+              <a:cs typeface="Arial" panose="020B0604020202020204" pitchFamily="34" charset="0"/>
             </a:endParaRPr>
           </a:p>
         </p:txBody>

--- a/Diapo/Présentaion1.pptx
+++ b/Diapo/Présentaion1.pptx
@@ -5,7 +5,7 @@
     <p:sldMasterId id="2147483669" r:id="rId1"/>
   </p:sldMasterIdLst>
   <p:notesMasterIdLst>
-    <p:notesMasterId r:id="rId11"/>
+    <p:notesMasterId r:id="rId18"/>
   </p:notesMasterIdLst>
   <p:sldIdLst>
     <p:sldId id="302" r:id="rId2"/>
@@ -17,6 +17,13 @@
     <p:sldId id="333" r:id="rId8"/>
     <p:sldId id="334" r:id="rId9"/>
     <p:sldId id="330" r:id="rId10"/>
+    <p:sldId id="336" r:id="rId11"/>
+    <p:sldId id="337" r:id="rId12"/>
+    <p:sldId id="338" r:id="rId13"/>
+    <p:sldId id="339" r:id="rId14"/>
+    <p:sldId id="340" r:id="rId15"/>
+    <p:sldId id="341" r:id="rId16"/>
+    <p:sldId id="342" r:id="rId17"/>
   </p:sldIdLst>
   <p:sldSz cx="12192000" cy="6858000"/>
   <p:notesSz cx="6858000" cy="9144000"/>
@@ -7254,7 +7261,7 @@
         </p:nvSpPr>
         <p:spPr>
           <a:xfrm>
-            <a:off x="6253803" y="5557556"/>
+            <a:off x="6156267" y="5443086"/>
             <a:ext cx="6987645" cy="1388534"/>
           </a:xfrm>
           <a:prstGeom prst="rect">
@@ -7263,7 +7270,7 @@
         </p:spPr>
         <p:txBody>
           <a:bodyPr>
-            <a:normAutofit/>
+            <a:normAutofit fontScale="92500" lnSpcReduction="20000"/>
           </a:bodyPr>
           <a:lstStyle>
             <a:lvl1pPr marL="285750" indent="-285750" algn="l" defTabSz="457200" rtl="0" eaLnBrk="1" latinLnBrk="0" hangingPunct="1">
@@ -7498,7 +7505,25 @@
             </a:pPr>
             <a:r>
               <a:rPr lang="fr-FR" sz="2800" dirty="0" smtClean="0"/>
-              <a:t>Présenté par nous </a:t>
+              <a:t>PROST Maxime</a:t>
+            </a:r>
+          </a:p>
+          <a:p>
+            <a:pPr marL="0" indent="0">
+              <a:buNone/>
+            </a:pPr>
+            <a:r>
+              <a:rPr lang="fr-FR" sz="2800" dirty="0" smtClean="0"/>
+              <a:t>BOURREE Charles ♥</a:t>
+            </a:r>
+          </a:p>
+          <a:p>
+            <a:pPr marL="0" indent="0">
+              <a:buNone/>
+            </a:pPr>
+            <a:r>
+              <a:rPr lang="fr-FR" sz="2800" dirty="0" smtClean="0"/>
+              <a:t>SAGNOL Félix</a:t>
             </a:r>
             <a:endParaRPr lang="fr-FR" sz="2800" dirty="0"/>
           </a:p>
@@ -7575,6 +7600,1245 @@
       </p:transition>
     </mc:Choice>
     <mc:Fallback xmlns="">
+      <p:transition spd="slow">
+        <p:fade/>
+      </p:transition>
+    </mc:Fallback>
+  </mc:AlternateContent>
+  <p:timing>
+    <p:tnLst>
+      <p:par>
+        <p:cTn id="1" dur="indefinite" restart="never" nodeType="tmRoot"/>
+      </p:par>
+    </p:tnLst>
+  </p:timing>
+</p:sld>
+</file>
+
+<file path=ppt/slides/slide10.xml><?xml version="1.0" encoding="utf-8"?>
+<p:sld xmlns:a="http://schemas.openxmlformats.org/drawingml/2006/main" xmlns:r="http://schemas.openxmlformats.org/officeDocument/2006/relationships" xmlns:p="http://schemas.openxmlformats.org/presentationml/2006/main">
+  <p:cSld>
+    <p:spTree>
+      <p:nvGrpSpPr>
+        <p:cNvPr id="1" name=""/>
+        <p:cNvGrpSpPr/>
+        <p:nvPr/>
+      </p:nvGrpSpPr>
+      <p:grpSpPr>
+        <a:xfrm>
+          <a:off x="0" y="0"/>
+          <a:ext cx="0" cy="0"/>
+          <a:chOff x="0" y="0"/>
+          <a:chExt cx="0" cy="0"/>
+        </a:xfrm>
+      </p:grpSpPr>
+      <p:sp>
+        <p:nvSpPr>
+          <p:cNvPr id="6" name="Espace réservé du numéro de diapositive 5"/>
+          <p:cNvSpPr>
+            <a:spLocks noGrp="1"/>
+          </p:cNvSpPr>
+          <p:nvPr>
+            <p:ph type="sldNum" sz="quarter" idx="12"/>
+          </p:nvPr>
+        </p:nvSpPr>
+        <p:spPr>
+          <a:xfrm>
+            <a:off x="-243840" y="5938203"/>
+            <a:ext cx="1011936" cy="697513"/>
+          </a:xfrm>
+        </p:spPr>
+        <p:txBody>
+          <a:bodyPr/>
+          <a:lstStyle/>
+          <a:p>
+            <a:fld id="{D57F1E4F-1CFF-5643-939E-217C01CDF565}" type="slidenum">
+              <a:rPr lang="en-US" sz="4000" smtClean="0"/>
+              <a:pPr/>
+              <a:t>10</a:t>
+            </a:fld>
+            <a:endParaRPr lang="en-US" sz="4000" dirty="0"/>
+          </a:p>
+        </p:txBody>
+      </p:sp>
+      <p:sp>
+        <p:nvSpPr>
+          <p:cNvPr id="5" name="Rectangle 4"/>
+          <p:cNvSpPr/>
+          <p:nvPr/>
+        </p:nvSpPr>
+        <p:spPr>
+          <a:xfrm>
+            <a:off x="5173300" y="576985"/>
+            <a:ext cx="2428871" cy="923330"/>
+          </a:xfrm>
+          <a:prstGeom prst="rect">
+            <a:avLst/>
+          </a:prstGeom>
+          <a:noFill/>
+        </p:spPr>
+        <p:txBody>
+          <a:bodyPr wrap="none" lIns="91440" tIns="45720" rIns="91440" bIns="45720">
+            <a:spAutoFit/>
+          </a:bodyPr>
+          <a:lstStyle/>
+          <a:p>
+            <a:pPr algn="ctr"/>
+            <a:r>
+              <a:rPr lang="fr-FR" sz="5400" b="1" spc="50" dirty="0" smtClean="0">
+                <a:ln w="0"/>
+                <a:solidFill>
+                  <a:schemeClr val="accent1"/>
+                </a:solidFill>
+                <a:effectLst>
+                  <a:innerShdw blurRad="63500" dist="50800" dir="13500000">
+                    <a:srgbClr val="000000">
+                      <a:alpha val="50000"/>
+                    </a:srgbClr>
+                  </a:innerShdw>
+                </a:effectLst>
+              </a:rPr>
+              <a:t>GANTT</a:t>
+            </a:r>
+            <a:endParaRPr lang="fr-FR" sz="5400" b="1" spc="50" dirty="0">
+              <a:ln w="0"/>
+              <a:solidFill>
+                <a:schemeClr val="accent1"/>
+              </a:solidFill>
+              <a:effectLst>
+                <a:innerShdw blurRad="63500" dist="50800" dir="13500000">
+                  <a:srgbClr val="000000">
+                    <a:alpha val="50000"/>
+                  </a:srgbClr>
+                </a:innerShdw>
+              </a:effectLst>
+            </a:endParaRPr>
+          </a:p>
+        </p:txBody>
+      </p:sp>
+      <p:pic>
+        <p:nvPicPr>
+          <p:cNvPr id="3" name="Image 2"/>
+          <p:cNvPicPr>
+            <a:picLocks noChangeAspect="1"/>
+          </p:cNvPicPr>
+          <p:nvPr/>
+        </p:nvPicPr>
+        <p:blipFill>
+          <a:blip r:embed="rId2">
+            <a:extLst>
+              <a:ext uri="{28A0092B-C50C-407E-A947-70E740481C1C}">
+                <a14:useLocalDpi xmlns:a14="http://schemas.microsoft.com/office/drawing/2010/main" val="0"/>
+              </a:ext>
+            </a:extLst>
+          </a:blip>
+          <a:stretch>
+            <a:fillRect/>
+          </a:stretch>
+        </p:blipFill>
+        <p:spPr>
+          <a:xfrm>
+            <a:off x="268221" y="1418932"/>
+            <a:ext cx="11748953" cy="4035550"/>
+          </a:xfrm>
+          <a:prstGeom prst="rect">
+            <a:avLst/>
+          </a:prstGeom>
+        </p:spPr>
+      </p:pic>
+    </p:spTree>
+    <p:extLst>
+      <p:ext uri="{BB962C8B-B14F-4D97-AF65-F5344CB8AC3E}">
+        <p14:creationId xmlns:p14="http://schemas.microsoft.com/office/powerpoint/2010/main" val="691650001"/>
+      </p:ext>
+    </p:extLst>
+  </p:cSld>
+  <p:clrMapOvr>
+    <a:masterClrMapping/>
+  </p:clrMapOvr>
+  <mc:AlternateContent xmlns:mc="http://schemas.openxmlformats.org/markup-compatibility/2006">
+    <mc:Choice xmlns:p15="http://schemas.microsoft.com/office/powerpoint/2012/main" xmlns="" Requires="p15">
+      <p:transition xmlns:p14="http://schemas.microsoft.com/office/powerpoint/2010/main" spd="slow" p14:dur="5000">
+        <p15:prstTrans prst="curtains"/>
+      </p:transition>
+    </mc:Choice>
+    <mc:Fallback>
+      <p:transition spd="slow">
+        <p:fade/>
+      </p:transition>
+    </mc:Fallback>
+  </mc:AlternateContent>
+  <p:timing>
+    <p:tnLst>
+      <p:par>
+        <p:cTn id="1" dur="indefinite" restart="never" nodeType="tmRoot"/>
+      </p:par>
+    </p:tnLst>
+  </p:timing>
+</p:sld>
+</file>
+
+<file path=ppt/slides/slide11.xml><?xml version="1.0" encoding="utf-8"?>
+<p:sld xmlns:a="http://schemas.openxmlformats.org/drawingml/2006/main" xmlns:r="http://schemas.openxmlformats.org/officeDocument/2006/relationships" xmlns:p="http://schemas.openxmlformats.org/presentationml/2006/main">
+  <p:cSld>
+    <p:spTree>
+      <p:nvGrpSpPr>
+        <p:cNvPr id="1" name=""/>
+        <p:cNvGrpSpPr/>
+        <p:nvPr/>
+      </p:nvGrpSpPr>
+      <p:grpSpPr>
+        <a:xfrm>
+          <a:off x="0" y="0"/>
+          <a:ext cx="0" cy="0"/>
+          <a:chOff x="0" y="0"/>
+          <a:chExt cx="0" cy="0"/>
+        </a:xfrm>
+      </p:grpSpPr>
+      <p:sp>
+        <p:nvSpPr>
+          <p:cNvPr id="6" name="Espace réservé du numéro de diapositive 5"/>
+          <p:cNvSpPr>
+            <a:spLocks noGrp="1"/>
+          </p:cNvSpPr>
+          <p:nvPr>
+            <p:ph type="sldNum" sz="quarter" idx="12"/>
+          </p:nvPr>
+        </p:nvSpPr>
+        <p:spPr>
+          <a:xfrm>
+            <a:off x="-243840" y="5938203"/>
+            <a:ext cx="1011936" cy="697513"/>
+          </a:xfrm>
+        </p:spPr>
+        <p:txBody>
+          <a:bodyPr/>
+          <a:lstStyle/>
+          <a:p>
+            <a:fld id="{D57F1E4F-1CFF-5643-939E-217C01CDF565}" type="slidenum">
+              <a:rPr lang="en-US" sz="4000" smtClean="0"/>
+              <a:pPr/>
+              <a:t>11</a:t>
+            </a:fld>
+            <a:endParaRPr lang="en-US" sz="4000" dirty="0"/>
+          </a:p>
+        </p:txBody>
+      </p:sp>
+      <p:sp>
+        <p:nvSpPr>
+          <p:cNvPr id="5" name="Rectangle 4"/>
+          <p:cNvSpPr/>
+          <p:nvPr/>
+        </p:nvSpPr>
+        <p:spPr>
+          <a:xfrm>
+            <a:off x="3082889" y="576985"/>
+            <a:ext cx="6609695" cy="923330"/>
+          </a:xfrm>
+          <a:prstGeom prst="rect">
+            <a:avLst/>
+          </a:prstGeom>
+          <a:noFill/>
+        </p:spPr>
+        <p:txBody>
+          <a:bodyPr wrap="none" lIns="91440" tIns="45720" rIns="91440" bIns="45720">
+            <a:spAutoFit/>
+          </a:bodyPr>
+          <a:lstStyle/>
+          <a:p>
+            <a:pPr algn="ctr"/>
+            <a:r>
+              <a:rPr lang="fr-FR" sz="5400" b="1" spc="50" dirty="0" smtClean="0">
+                <a:ln w="0"/>
+                <a:solidFill>
+                  <a:schemeClr val="accent1"/>
+                </a:solidFill>
+                <a:effectLst>
+                  <a:innerShdw blurRad="63500" dist="50800" dir="13500000">
+                    <a:srgbClr val="000000">
+                      <a:alpha val="50000"/>
+                    </a:srgbClr>
+                  </a:innerShdw>
+                </a:effectLst>
+              </a:rPr>
+              <a:t>FEUILLE DE COURSE</a:t>
+            </a:r>
+            <a:endParaRPr lang="fr-FR" sz="5400" b="1" spc="50" dirty="0">
+              <a:ln w="0"/>
+              <a:solidFill>
+                <a:schemeClr val="accent1"/>
+              </a:solidFill>
+              <a:effectLst>
+                <a:innerShdw blurRad="63500" dist="50800" dir="13500000">
+                  <a:srgbClr val="000000">
+                    <a:alpha val="50000"/>
+                  </a:srgbClr>
+                </a:innerShdw>
+              </a:effectLst>
+            </a:endParaRPr>
+          </a:p>
+        </p:txBody>
+      </p:sp>
+      <p:pic>
+        <p:nvPicPr>
+          <p:cNvPr id="2" name="Image 1"/>
+          <p:cNvPicPr>
+            <a:picLocks noChangeAspect="1"/>
+          </p:cNvPicPr>
+          <p:nvPr/>
+        </p:nvPicPr>
+        <p:blipFill>
+          <a:blip r:embed="rId2">
+            <a:extLst>
+              <a:ext uri="{28A0092B-C50C-407E-A947-70E740481C1C}">
+                <a14:useLocalDpi xmlns:a14="http://schemas.microsoft.com/office/drawing/2010/main" val="0"/>
+              </a:ext>
+            </a:extLst>
+          </a:blip>
+          <a:stretch>
+            <a:fillRect/>
+          </a:stretch>
+        </p:blipFill>
+        <p:spPr>
+          <a:xfrm>
+            <a:off x="1384831" y="1414272"/>
+            <a:ext cx="10145617" cy="4375995"/>
+          </a:xfrm>
+          <a:prstGeom prst="rect">
+            <a:avLst/>
+          </a:prstGeom>
+        </p:spPr>
+      </p:pic>
+    </p:spTree>
+    <p:extLst>
+      <p:ext uri="{BB962C8B-B14F-4D97-AF65-F5344CB8AC3E}">
+        <p14:creationId xmlns:p14="http://schemas.microsoft.com/office/powerpoint/2010/main" val="3418008013"/>
+      </p:ext>
+    </p:extLst>
+  </p:cSld>
+  <p:clrMapOvr>
+    <a:masterClrMapping/>
+  </p:clrMapOvr>
+  <mc:AlternateContent xmlns:mc="http://schemas.openxmlformats.org/markup-compatibility/2006">
+    <mc:Choice xmlns:p15="http://schemas.microsoft.com/office/powerpoint/2012/main" xmlns="" Requires="p15">
+      <p:transition xmlns:p14="http://schemas.microsoft.com/office/powerpoint/2010/main" spd="slow" p14:dur="5000">
+        <p15:prstTrans prst="curtains"/>
+      </p:transition>
+    </mc:Choice>
+    <mc:Fallback>
+      <p:transition spd="slow">
+        <p:fade/>
+      </p:transition>
+    </mc:Fallback>
+  </mc:AlternateContent>
+  <p:timing>
+    <p:tnLst>
+      <p:par>
+        <p:cTn id="1" dur="indefinite" restart="never" nodeType="tmRoot"/>
+      </p:par>
+    </p:tnLst>
+  </p:timing>
+</p:sld>
+</file>
+
+<file path=ppt/slides/slide12.xml><?xml version="1.0" encoding="utf-8"?>
+<p:sld xmlns:a="http://schemas.openxmlformats.org/drawingml/2006/main" xmlns:r="http://schemas.openxmlformats.org/officeDocument/2006/relationships" xmlns:p="http://schemas.openxmlformats.org/presentationml/2006/main">
+  <p:cSld>
+    <p:spTree>
+      <p:nvGrpSpPr>
+        <p:cNvPr id="1" name=""/>
+        <p:cNvGrpSpPr/>
+        <p:nvPr/>
+      </p:nvGrpSpPr>
+      <p:grpSpPr>
+        <a:xfrm>
+          <a:off x="0" y="0"/>
+          <a:ext cx="0" cy="0"/>
+          <a:chOff x="0" y="0"/>
+          <a:chExt cx="0" cy="0"/>
+        </a:xfrm>
+      </p:grpSpPr>
+      <p:sp>
+        <p:nvSpPr>
+          <p:cNvPr id="6" name="Espace réservé du numéro de diapositive 5"/>
+          <p:cNvSpPr>
+            <a:spLocks noGrp="1"/>
+          </p:cNvSpPr>
+          <p:nvPr>
+            <p:ph type="sldNum" sz="quarter" idx="12"/>
+          </p:nvPr>
+        </p:nvSpPr>
+        <p:spPr>
+          <a:xfrm>
+            <a:off x="-243840" y="5938203"/>
+            <a:ext cx="1011936" cy="697513"/>
+          </a:xfrm>
+        </p:spPr>
+        <p:txBody>
+          <a:bodyPr/>
+          <a:lstStyle/>
+          <a:p>
+            <a:fld id="{D57F1E4F-1CFF-5643-939E-217C01CDF565}" type="slidenum">
+              <a:rPr lang="en-US" sz="4000" smtClean="0"/>
+              <a:pPr/>
+              <a:t>12</a:t>
+            </a:fld>
+            <a:endParaRPr lang="en-US" sz="4000" dirty="0"/>
+          </a:p>
+        </p:txBody>
+      </p:sp>
+      <p:sp>
+        <p:nvSpPr>
+          <p:cNvPr id="5" name="Rectangle 4"/>
+          <p:cNvSpPr/>
+          <p:nvPr/>
+        </p:nvSpPr>
+        <p:spPr>
+          <a:xfrm>
+            <a:off x="3082889" y="576985"/>
+            <a:ext cx="6609695" cy="923330"/>
+          </a:xfrm>
+          <a:prstGeom prst="rect">
+            <a:avLst/>
+          </a:prstGeom>
+          <a:noFill/>
+        </p:spPr>
+        <p:txBody>
+          <a:bodyPr wrap="none" lIns="91440" tIns="45720" rIns="91440" bIns="45720">
+            <a:spAutoFit/>
+          </a:bodyPr>
+          <a:lstStyle/>
+          <a:p>
+            <a:pPr algn="ctr"/>
+            <a:r>
+              <a:rPr lang="fr-FR" sz="5400" b="1" spc="50" dirty="0" smtClean="0">
+                <a:ln w="0"/>
+                <a:solidFill>
+                  <a:schemeClr val="accent1"/>
+                </a:solidFill>
+                <a:effectLst>
+                  <a:innerShdw blurRad="63500" dist="50800" dir="13500000">
+                    <a:srgbClr val="000000">
+                      <a:alpha val="50000"/>
+                    </a:srgbClr>
+                  </a:innerShdw>
+                </a:effectLst>
+              </a:rPr>
+              <a:t>FEUILLE DE COURSE</a:t>
+            </a:r>
+            <a:endParaRPr lang="fr-FR" sz="5400" b="1" spc="50" dirty="0">
+              <a:ln w="0"/>
+              <a:solidFill>
+                <a:schemeClr val="accent1"/>
+              </a:solidFill>
+              <a:effectLst>
+                <a:innerShdw blurRad="63500" dist="50800" dir="13500000">
+                  <a:srgbClr val="000000">
+                    <a:alpha val="50000"/>
+                  </a:srgbClr>
+                </a:innerShdw>
+              </a:effectLst>
+            </a:endParaRPr>
+          </a:p>
+        </p:txBody>
+      </p:sp>
+      <p:pic>
+        <p:nvPicPr>
+          <p:cNvPr id="3" name="Image 2"/>
+          <p:cNvPicPr>
+            <a:picLocks noChangeAspect="1"/>
+          </p:cNvPicPr>
+          <p:nvPr/>
+        </p:nvPicPr>
+        <p:blipFill>
+          <a:blip r:embed="rId2">
+            <a:extLst>
+              <a:ext uri="{28A0092B-C50C-407E-A947-70E740481C1C}">
+                <a14:useLocalDpi xmlns:a14="http://schemas.microsoft.com/office/drawing/2010/main" val="0"/>
+              </a:ext>
+            </a:extLst>
+          </a:blip>
+          <a:stretch>
+            <a:fillRect/>
+          </a:stretch>
+        </p:blipFill>
+        <p:spPr>
+          <a:xfrm>
+            <a:off x="1853184" y="0"/>
+            <a:ext cx="9764391" cy="6865511"/>
+          </a:xfrm>
+          <a:prstGeom prst="rect">
+            <a:avLst/>
+          </a:prstGeom>
+        </p:spPr>
+      </p:pic>
+    </p:spTree>
+    <p:extLst>
+      <p:ext uri="{BB962C8B-B14F-4D97-AF65-F5344CB8AC3E}">
+        <p14:creationId xmlns:p14="http://schemas.microsoft.com/office/powerpoint/2010/main" val="3638382676"/>
+      </p:ext>
+    </p:extLst>
+  </p:cSld>
+  <p:clrMapOvr>
+    <a:masterClrMapping/>
+  </p:clrMapOvr>
+  <mc:AlternateContent xmlns:mc="http://schemas.openxmlformats.org/markup-compatibility/2006">
+    <mc:Choice xmlns:p15="http://schemas.microsoft.com/office/powerpoint/2012/main" xmlns="" Requires="p15">
+      <p:transition xmlns:p14="http://schemas.microsoft.com/office/powerpoint/2010/main" spd="slow" p14:dur="5000">
+        <p15:prstTrans prst="curtains"/>
+      </p:transition>
+    </mc:Choice>
+    <mc:Fallback>
+      <p:transition spd="slow">
+        <p:fade/>
+      </p:transition>
+    </mc:Fallback>
+  </mc:AlternateContent>
+  <p:timing>
+    <p:tnLst>
+      <p:par>
+        <p:cTn id="1" dur="indefinite" restart="never" nodeType="tmRoot"/>
+      </p:par>
+    </p:tnLst>
+  </p:timing>
+</p:sld>
+</file>
+
+<file path=ppt/slides/slide13.xml><?xml version="1.0" encoding="utf-8"?>
+<p:sld xmlns:a="http://schemas.openxmlformats.org/drawingml/2006/main" xmlns:r="http://schemas.openxmlformats.org/officeDocument/2006/relationships" xmlns:p="http://schemas.openxmlformats.org/presentationml/2006/main">
+  <p:cSld>
+    <p:spTree>
+      <p:nvGrpSpPr>
+        <p:cNvPr id="1" name=""/>
+        <p:cNvGrpSpPr/>
+        <p:nvPr/>
+      </p:nvGrpSpPr>
+      <p:grpSpPr>
+        <a:xfrm>
+          <a:off x="0" y="0"/>
+          <a:ext cx="0" cy="0"/>
+          <a:chOff x="0" y="0"/>
+          <a:chExt cx="0" cy="0"/>
+        </a:xfrm>
+      </p:grpSpPr>
+      <p:sp>
+        <p:nvSpPr>
+          <p:cNvPr id="6" name="Espace réservé du numéro de diapositive 5"/>
+          <p:cNvSpPr>
+            <a:spLocks noGrp="1"/>
+          </p:cNvSpPr>
+          <p:nvPr>
+            <p:ph type="sldNum" sz="quarter" idx="12"/>
+          </p:nvPr>
+        </p:nvSpPr>
+        <p:spPr>
+          <a:xfrm>
+            <a:off x="-243840" y="5938203"/>
+            <a:ext cx="1011936" cy="697513"/>
+          </a:xfrm>
+        </p:spPr>
+        <p:txBody>
+          <a:bodyPr/>
+          <a:lstStyle/>
+          <a:p>
+            <a:fld id="{D57F1E4F-1CFF-5643-939E-217C01CDF565}" type="slidenum">
+              <a:rPr lang="en-US" sz="4000" smtClean="0"/>
+              <a:pPr/>
+              <a:t>13</a:t>
+            </a:fld>
+            <a:endParaRPr lang="en-US" sz="4000" dirty="0"/>
+          </a:p>
+        </p:txBody>
+      </p:sp>
+      <p:sp>
+        <p:nvSpPr>
+          <p:cNvPr id="5" name="Rectangle 4"/>
+          <p:cNvSpPr/>
+          <p:nvPr/>
+        </p:nvSpPr>
+        <p:spPr>
+          <a:xfrm>
+            <a:off x="3082889" y="576985"/>
+            <a:ext cx="6609695" cy="923330"/>
+          </a:xfrm>
+          <a:prstGeom prst="rect">
+            <a:avLst/>
+          </a:prstGeom>
+          <a:noFill/>
+        </p:spPr>
+        <p:txBody>
+          <a:bodyPr wrap="none" lIns="91440" tIns="45720" rIns="91440" bIns="45720">
+            <a:spAutoFit/>
+          </a:bodyPr>
+          <a:lstStyle/>
+          <a:p>
+            <a:pPr algn="ctr"/>
+            <a:r>
+              <a:rPr lang="fr-FR" sz="5400" b="1" spc="50" dirty="0" smtClean="0">
+                <a:ln w="0"/>
+                <a:solidFill>
+                  <a:schemeClr val="accent1"/>
+                </a:solidFill>
+                <a:effectLst>
+                  <a:innerShdw blurRad="63500" dist="50800" dir="13500000">
+                    <a:srgbClr val="000000">
+                      <a:alpha val="50000"/>
+                    </a:srgbClr>
+                  </a:innerShdw>
+                </a:effectLst>
+              </a:rPr>
+              <a:t>FEUILLE DE COURSE</a:t>
+            </a:r>
+            <a:endParaRPr lang="fr-FR" sz="5400" b="1" spc="50" dirty="0">
+              <a:ln w="0"/>
+              <a:solidFill>
+                <a:schemeClr val="accent1"/>
+              </a:solidFill>
+              <a:effectLst>
+                <a:innerShdw blurRad="63500" dist="50800" dir="13500000">
+                  <a:srgbClr val="000000">
+                    <a:alpha val="50000"/>
+                  </a:srgbClr>
+                </a:innerShdw>
+              </a:effectLst>
+            </a:endParaRPr>
+          </a:p>
+        </p:txBody>
+      </p:sp>
+      <p:pic>
+        <p:nvPicPr>
+          <p:cNvPr id="2" name="Image 1"/>
+          <p:cNvPicPr>
+            <a:picLocks noChangeAspect="1"/>
+          </p:cNvPicPr>
+          <p:nvPr/>
+        </p:nvPicPr>
+        <p:blipFill>
+          <a:blip r:embed="rId2">
+            <a:extLst>
+              <a:ext uri="{28A0092B-C50C-407E-A947-70E740481C1C}">
+                <a14:useLocalDpi xmlns:a14="http://schemas.microsoft.com/office/drawing/2010/main" val="0"/>
+              </a:ext>
+            </a:extLst>
+          </a:blip>
+          <a:stretch>
+            <a:fillRect/>
+          </a:stretch>
+        </p:blipFill>
+        <p:spPr>
+          <a:xfrm>
+            <a:off x="1803490" y="0"/>
+            <a:ext cx="9753707" cy="6858000"/>
+          </a:xfrm>
+          <a:prstGeom prst="rect">
+            <a:avLst/>
+          </a:prstGeom>
+        </p:spPr>
+      </p:pic>
+    </p:spTree>
+    <p:extLst>
+      <p:ext uri="{BB962C8B-B14F-4D97-AF65-F5344CB8AC3E}">
+        <p14:creationId xmlns:p14="http://schemas.microsoft.com/office/powerpoint/2010/main" val="969142614"/>
+      </p:ext>
+    </p:extLst>
+  </p:cSld>
+  <p:clrMapOvr>
+    <a:masterClrMapping/>
+  </p:clrMapOvr>
+  <mc:AlternateContent xmlns:mc="http://schemas.openxmlformats.org/markup-compatibility/2006">
+    <mc:Choice xmlns:p15="http://schemas.microsoft.com/office/powerpoint/2012/main" xmlns="" Requires="p15">
+      <p:transition xmlns:p14="http://schemas.microsoft.com/office/powerpoint/2010/main" spd="slow" p14:dur="5000">
+        <p15:prstTrans prst="curtains"/>
+      </p:transition>
+    </mc:Choice>
+    <mc:Fallback>
+      <p:transition spd="slow">
+        <p:fade/>
+      </p:transition>
+    </mc:Fallback>
+  </mc:AlternateContent>
+  <p:timing>
+    <p:tnLst>
+      <p:par>
+        <p:cTn id="1" dur="indefinite" restart="never" nodeType="tmRoot"/>
+      </p:par>
+    </p:tnLst>
+  </p:timing>
+</p:sld>
+</file>
+
+<file path=ppt/slides/slide14.xml><?xml version="1.0" encoding="utf-8"?>
+<p:sld xmlns:a="http://schemas.openxmlformats.org/drawingml/2006/main" xmlns:r="http://schemas.openxmlformats.org/officeDocument/2006/relationships" xmlns:p="http://schemas.openxmlformats.org/presentationml/2006/main">
+  <p:cSld>
+    <p:spTree>
+      <p:nvGrpSpPr>
+        <p:cNvPr id="1" name=""/>
+        <p:cNvGrpSpPr/>
+        <p:nvPr/>
+      </p:nvGrpSpPr>
+      <p:grpSpPr>
+        <a:xfrm>
+          <a:off x="0" y="0"/>
+          <a:ext cx="0" cy="0"/>
+          <a:chOff x="0" y="0"/>
+          <a:chExt cx="0" cy="0"/>
+        </a:xfrm>
+      </p:grpSpPr>
+      <p:sp>
+        <p:nvSpPr>
+          <p:cNvPr id="6" name="Espace réservé du numéro de diapositive 5"/>
+          <p:cNvSpPr>
+            <a:spLocks noGrp="1"/>
+          </p:cNvSpPr>
+          <p:nvPr>
+            <p:ph type="sldNum" sz="quarter" idx="12"/>
+          </p:nvPr>
+        </p:nvSpPr>
+        <p:spPr>
+          <a:xfrm>
+            <a:off x="-243840" y="5938203"/>
+            <a:ext cx="1011936" cy="697513"/>
+          </a:xfrm>
+        </p:spPr>
+        <p:txBody>
+          <a:bodyPr/>
+          <a:lstStyle/>
+          <a:p>
+            <a:fld id="{D57F1E4F-1CFF-5643-939E-217C01CDF565}" type="slidenum">
+              <a:rPr lang="en-US" sz="4000" smtClean="0"/>
+              <a:pPr/>
+              <a:t>14</a:t>
+            </a:fld>
+            <a:endParaRPr lang="en-US" sz="4000" dirty="0"/>
+          </a:p>
+        </p:txBody>
+      </p:sp>
+      <p:sp>
+        <p:nvSpPr>
+          <p:cNvPr id="5" name="Rectangle 4"/>
+          <p:cNvSpPr/>
+          <p:nvPr/>
+        </p:nvSpPr>
+        <p:spPr>
+          <a:xfrm>
+            <a:off x="3082889" y="576985"/>
+            <a:ext cx="6609695" cy="923330"/>
+          </a:xfrm>
+          <a:prstGeom prst="rect">
+            <a:avLst/>
+          </a:prstGeom>
+          <a:noFill/>
+        </p:spPr>
+        <p:txBody>
+          <a:bodyPr wrap="none" lIns="91440" tIns="45720" rIns="91440" bIns="45720">
+            <a:spAutoFit/>
+          </a:bodyPr>
+          <a:lstStyle/>
+          <a:p>
+            <a:pPr algn="ctr"/>
+            <a:r>
+              <a:rPr lang="fr-FR" sz="5400" b="1" spc="50" dirty="0" smtClean="0">
+                <a:ln w="0"/>
+                <a:solidFill>
+                  <a:schemeClr val="accent1"/>
+                </a:solidFill>
+                <a:effectLst>
+                  <a:innerShdw blurRad="63500" dist="50800" dir="13500000">
+                    <a:srgbClr val="000000">
+                      <a:alpha val="50000"/>
+                    </a:srgbClr>
+                  </a:innerShdw>
+                </a:effectLst>
+              </a:rPr>
+              <a:t>FEUILLE DE COURSE</a:t>
+            </a:r>
+            <a:endParaRPr lang="fr-FR" sz="5400" b="1" spc="50" dirty="0">
+              <a:ln w="0"/>
+              <a:solidFill>
+                <a:schemeClr val="accent1"/>
+              </a:solidFill>
+              <a:effectLst>
+                <a:innerShdw blurRad="63500" dist="50800" dir="13500000">
+                  <a:srgbClr val="000000">
+                    <a:alpha val="50000"/>
+                  </a:srgbClr>
+                </a:innerShdw>
+              </a:effectLst>
+            </a:endParaRPr>
+          </a:p>
+        </p:txBody>
+      </p:sp>
+      <p:pic>
+        <p:nvPicPr>
+          <p:cNvPr id="3" name="Image 2"/>
+          <p:cNvPicPr>
+            <a:picLocks noChangeAspect="1"/>
+          </p:cNvPicPr>
+          <p:nvPr/>
+        </p:nvPicPr>
+        <p:blipFill>
+          <a:blip r:embed="rId2">
+            <a:extLst>
+              <a:ext uri="{28A0092B-C50C-407E-A947-70E740481C1C}">
+                <a14:useLocalDpi xmlns:a14="http://schemas.microsoft.com/office/drawing/2010/main" val="0"/>
+              </a:ext>
+            </a:extLst>
+          </a:blip>
+          <a:stretch>
+            <a:fillRect/>
+          </a:stretch>
+        </p:blipFill>
+        <p:spPr>
+          <a:xfrm>
+            <a:off x="1671636" y="0"/>
+            <a:ext cx="9471852" cy="6963698"/>
+          </a:xfrm>
+          <a:prstGeom prst="rect">
+            <a:avLst/>
+          </a:prstGeom>
+        </p:spPr>
+      </p:pic>
+    </p:spTree>
+    <p:extLst>
+      <p:ext uri="{BB962C8B-B14F-4D97-AF65-F5344CB8AC3E}">
+        <p14:creationId xmlns:p14="http://schemas.microsoft.com/office/powerpoint/2010/main" val="3241270726"/>
+      </p:ext>
+    </p:extLst>
+  </p:cSld>
+  <p:clrMapOvr>
+    <a:masterClrMapping/>
+  </p:clrMapOvr>
+  <mc:AlternateContent xmlns:mc="http://schemas.openxmlformats.org/markup-compatibility/2006">
+    <mc:Choice xmlns:p15="http://schemas.microsoft.com/office/powerpoint/2012/main" xmlns="" Requires="p15">
+      <p:transition xmlns:p14="http://schemas.microsoft.com/office/powerpoint/2010/main" spd="slow" p14:dur="5000">
+        <p15:prstTrans prst="curtains"/>
+      </p:transition>
+    </mc:Choice>
+    <mc:Fallback>
+      <p:transition spd="slow">
+        <p:fade/>
+      </p:transition>
+    </mc:Fallback>
+  </mc:AlternateContent>
+  <p:timing>
+    <p:tnLst>
+      <p:par>
+        <p:cTn id="1" dur="indefinite" restart="never" nodeType="tmRoot"/>
+      </p:par>
+    </p:tnLst>
+  </p:timing>
+</p:sld>
+</file>
+
+<file path=ppt/slides/slide15.xml><?xml version="1.0" encoding="utf-8"?>
+<p:sld xmlns:a="http://schemas.openxmlformats.org/drawingml/2006/main" xmlns:r="http://schemas.openxmlformats.org/officeDocument/2006/relationships" xmlns:p="http://schemas.openxmlformats.org/presentationml/2006/main">
+  <p:cSld>
+    <p:spTree>
+      <p:nvGrpSpPr>
+        <p:cNvPr id="1" name=""/>
+        <p:cNvGrpSpPr/>
+        <p:nvPr/>
+      </p:nvGrpSpPr>
+      <p:grpSpPr>
+        <a:xfrm>
+          <a:off x="0" y="0"/>
+          <a:ext cx="0" cy="0"/>
+          <a:chOff x="0" y="0"/>
+          <a:chExt cx="0" cy="0"/>
+        </a:xfrm>
+      </p:grpSpPr>
+      <p:sp>
+        <p:nvSpPr>
+          <p:cNvPr id="6" name="Espace réservé du numéro de diapositive 5"/>
+          <p:cNvSpPr>
+            <a:spLocks noGrp="1"/>
+          </p:cNvSpPr>
+          <p:nvPr>
+            <p:ph type="sldNum" sz="quarter" idx="12"/>
+          </p:nvPr>
+        </p:nvSpPr>
+        <p:spPr>
+          <a:xfrm>
+            <a:off x="-243840" y="5938203"/>
+            <a:ext cx="1011936" cy="697513"/>
+          </a:xfrm>
+        </p:spPr>
+        <p:txBody>
+          <a:bodyPr/>
+          <a:lstStyle/>
+          <a:p>
+            <a:fld id="{D57F1E4F-1CFF-5643-939E-217C01CDF565}" type="slidenum">
+              <a:rPr lang="en-US" sz="4000" smtClean="0"/>
+              <a:pPr/>
+              <a:t>15</a:t>
+            </a:fld>
+            <a:endParaRPr lang="en-US" sz="4000" dirty="0"/>
+          </a:p>
+        </p:txBody>
+      </p:sp>
+      <p:sp>
+        <p:nvSpPr>
+          <p:cNvPr id="5" name="Rectangle 4"/>
+          <p:cNvSpPr/>
+          <p:nvPr/>
+        </p:nvSpPr>
+        <p:spPr>
+          <a:xfrm>
+            <a:off x="3082889" y="576985"/>
+            <a:ext cx="6609695" cy="923330"/>
+          </a:xfrm>
+          <a:prstGeom prst="rect">
+            <a:avLst/>
+          </a:prstGeom>
+          <a:noFill/>
+        </p:spPr>
+        <p:txBody>
+          <a:bodyPr wrap="none" lIns="91440" tIns="45720" rIns="91440" bIns="45720">
+            <a:spAutoFit/>
+          </a:bodyPr>
+          <a:lstStyle/>
+          <a:p>
+            <a:pPr algn="ctr"/>
+            <a:r>
+              <a:rPr lang="fr-FR" sz="5400" b="1" spc="50" dirty="0" smtClean="0">
+                <a:ln w="0"/>
+                <a:solidFill>
+                  <a:schemeClr val="accent1"/>
+                </a:solidFill>
+                <a:effectLst>
+                  <a:innerShdw blurRad="63500" dist="50800" dir="13500000">
+                    <a:srgbClr val="000000">
+                      <a:alpha val="50000"/>
+                    </a:srgbClr>
+                  </a:innerShdw>
+                </a:effectLst>
+              </a:rPr>
+              <a:t>FEUILLE DE COURSE</a:t>
+            </a:r>
+            <a:endParaRPr lang="fr-FR" sz="5400" b="1" spc="50" dirty="0">
+              <a:ln w="0"/>
+              <a:solidFill>
+                <a:schemeClr val="accent1"/>
+              </a:solidFill>
+              <a:effectLst>
+                <a:innerShdw blurRad="63500" dist="50800" dir="13500000">
+                  <a:srgbClr val="000000">
+                    <a:alpha val="50000"/>
+                  </a:srgbClr>
+                </a:innerShdw>
+              </a:effectLst>
+            </a:endParaRPr>
+          </a:p>
+        </p:txBody>
+      </p:sp>
+      <p:pic>
+        <p:nvPicPr>
+          <p:cNvPr id="2" name="Image 1"/>
+          <p:cNvPicPr>
+            <a:picLocks noChangeAspect="1"/>
+          </p:cNvPicPr>
+          <p:nvPr/>
+        </p:nvPicPr>
+        <p:blipFill>
+          <a:blip r:embed="rId2">
+            <a:extLst>
+              <a:ext uri="{28A0092B-C50C-407E-A947-70E740481C1C}">
+                <a14:useLocalDpi xmlns:a14="http://schemas.microsoft.com/office/drawing/2010/main" val="0"/>
+              </a:ext>
+            </a:extLst>
+          </a:blip>
+          <a:stretch>
+            <a:fillRect/>
+          </a:stretch>
+        </p:blipFill>
+        <p:spPr>
+          <a:xfrm>
+            <a:off x="1672334" y="0"/>
+            <a:ext cx="9747796" cy="6858000"/>
+          </a:xfrm>
+          <a:prstGeom prst="rect">
+            <a:avLst/>
+          </a:prstGeom>
+        </p:spPr>
+      </p:pic>
+    </p:spTree>
+    <p:extLst>
+      <p:ext uri="{BB962C8B-B14F-4D97-AF65-F5344CB8AC3E}">
+        <p14:creationId xmlns:p14="http://schemas.microsoft.com/office/powerpoint/2010/main" val="3534588413"/>
+      </p:ext>
+    </p:extLst>
+  </p:cSld>
+  <p:clrMapOvr>
+    <a:masterClrMapping/>
+  </p:clrMapOvr>
+  <mc:AlternateContent xmlns:mc="http://schemas.openxmlformats.org/markup-compatibility/2006">
+    <mc:Choice xmlns:p15="http://schemas.microsoft.com/office/powerpoint/2012/main" xmlns="" Requires="p15">
+      <p:transition xmlns:p14="http://schemas.microsoft.com/office/powerpoint/2010/main" spd="slow" p14:dur="5000">
+        <p15:prstTrans prst="curtains"/>
+      </p:transition>
+    </mc:Choice>
+    <mc:Fallback>
+      <p:transition spd="slow">
+        <p:fade/>
+      </p:transition>
+    </mc:Fallback>
+  </mc:AlternateContent>
+  <p:timing>
+    <p:tnLst>
+      <p:par>
+        <p:cTn id="1" dur="indefinite" restart="never" nodeType="tmRoot"/>
+      </p:par>
+    </p:tnLst>
+  </p:timing>
+</p:sld>
+</file>
+
+<file path=ppt/slides/slide16.xml><?xml version="1.0" encoding="utf-8"?>
+<p:sld xmlns:a="http://schemas.openxmlformats.org/drawingml/2006/main" xmlns:r="http://schemas.openxmlformats.org/officeDocument/2006/relationships" xmlns:p="http://schemas.openxmlformats.org/presentationml/2006/main">
+  <p:cSld>
+    <p:spTree>
+      <p:nvGrpSpPr>
+        <p:cNvPr id="1" name=""/>
+        <p:cNvGrpSpPr/>
+        <p:nvPr/>
+      </p:nvGrpSpPr>
+      <p:grpSpPr>
+        <a:xfrm>
+          <a:off x="0" y="0"/>
+          <a:ext cx="0" cy="0"/>
+          <a:chOff x="0" y="0"/>
+          <a:chExt cx="0" cy="0"/>
+        </a:xfrm>
+      </p:grpSpPr>
+      <p:sp>
+        <p:nvSpPr>
+          <p:cNvPr id="6" name="Espace réservé du numéro de diapositive 5"/>
+          <p:cNvSpPr>
+            <a:spLocks noGrp="1"/>
+          </p:cNvSpPr>
+          <p:nvPr>
+            <p:ph type="sldNum" sz="quarter" idx="12"/>
+          </p:nvPr>
+        </p:nvSpPr>
+        <p:spPr>
+          <a:xfrm>
+            <a:off x="-243840" y="5938203"/>
+            <a:ext cx="1011936" cy="697513"/>
+          </a:xfrm>
+        </p:spPr>
+        <p:txBody>
+          <a:bodyPr/>
+          <a:lstStyle/>
+          <a:p>
+            <a:fld id="{D57F1E4F-1CFF-5643-939E-217C01CDF565}" type="slidenum">
+              <a:rPr lang="en-US" sz="4000" smtClean="0"/>
+              <a:pPr/>
+              <a:t>16</a:t>
+            </a:fld>
+            <a:endParaRPr lang="en-US" sz="4000" dirty="0"/>
+          </a:p>
+        </p:txBody>
+      </p:sp>
+      <p:sp>
+        <p:nvSpPr>
+          <p:cNvPr id="5" name="Rectangle 4"/>
+          <p:cNvSpPr/>
+          <p:nvPr/>
+        </p:nvSpPr>
+        <p:spPr>
+          <a:xfrm>
+            <a:off x="3183178" y="576985"/>
+            <a:ext cx="6409127" cy="923330"/>
+          </a:xfrm>
+          <a:prstGeom prst="rect">
+            <a:avLst/>
+          </a:prstGeom>
+          <a:noFill/>
+        </p:spPr>
+        <p:txBody>
+          <a:bodyPr wrap="none" lIns="91440" tIns="45720" rIns="91440" bIns="45720">
+            <a:spAutoFit/>
+          </a:bodyPr>
+          <a:lstStyle/>
+          <a:p>
+            <a:pPr algn="ctr"/>
+            <a:r>
+              <a:rPr lang="fr-FR" sz="5400" b="1" spc="50" dirty="0" smtClean="0">
+                <a:ln w="0"/>
+                <a:solidFill>
+                  <a:schemeClr val="accent1"/>
+                </a:solidFill>
+                <a:effectLst>
+                  <a:innerShdw blurRad="63500" dist="50800" dir="13500000">
+                    <a:srgbClr val="000000">
+                      <a:alpha val="50000"/>
+                    </a:srgbClr>
+                  </a:innerShdw>
+                </a:effectLst>
+              </a:rPr>
+              <a:t>Suite des opérations</a:t>
+            </a:r>
+            <a:endParaRPr lang="fr-FR" sz="5400" b="1" spc="50" dirty="0">
+              <a:ln w="0"/>
+              <a:solidFill>
+                <a:schemeClr val="accent1"/>
+              </a:solidFill>
+              <a:effectLst>
+                <a:innerShdw blurRad="63500" dist="50800" dir="13500000">
+                  <a:srgbClr val="000000">
+                    <a:alpha val="50000"/>
+                  </a:srgbClr>
+                </a:innerShdw>
+              </a:effectLst>
+            </a:endParaRPr>
+          </a:p>
+        </p:txBody>
+      </p:sp>
+      <p:pic>
+        <p:nvPicPr>
+          <p:cNvPr id="3" name="Image 2"/>
+          <p:cNvPicPr>
+            <a:picLocks noChangeAspect="1"/>
+          </p:cNvPicPr>
+          <p:nvPr/>
+        </p:nvPicPr>
+        <p:blipFill>
+          <a:blip r:embed="rId2">
+            <a:extLst>
+              <a:ext uri="{28A0092B-C50C-407E-A947-70E740481C1C}">
+                <a14:useLocalDpi xmlns:a14="http://schemas.microsoft.com/office/drawing/2010/main" val="0"/>
+              </a:ext>
+            </a:extLst>
+          </a:blip>
+          <a:stretch>
+            <a:fillRect/>
+          </a:stretch>
+        </p:blipFill>
+        <p:spPr>
+          <a:xfrm>
+            <a:off x="1353313" y="2193798"/>
+            <a:ext cx="5291327" cy="2976371"/>
+          </a:xfrm>
+          <a:prstGeom prst="rect">
+            <a:avLst/>
+          </a:prstGeom>
+        </p:spPr>
+      </p:pic>
+      <p:pic>
+        <p:nvPicPr>
+          <p:cNvPr id="7" name="Image 6"/>
+          <p:cNvPicPr>
+            <a:picLocks noChangeAspect="1"/>
+          </p:cNvPicPr>
+          <p:nvPr/>
+        </p:nvPicPr>
+        <p:blipFill>
+          <a:blip r:embed="rId3">
+            <a:extLst>
+              <a:ext uri="{28A0092B-C50C-407E-A947-70E740481C1C}">
+                <a14:useLocalDpi xmlns:a14="http://schemas.microsoft.com/office/drawing/2010/main" val="0"/>
+              </a:ext>
+            </a:extLst>
+          </a:blip>
+          <a:stretch>
+            <a:fillRect/>
+          </a:stretch>
+        </p:blipFill>
+        <p:spPr>
+          <a:xfrm>
+            <a:off x="7723881" y="1719072"/>
+            <a:ext cx="3736848" cy="3736848"/>
+          </a:xfrm>
+          <a:prstGeom prst="rect">
+            <a:avLst/>
+          </a:prstGeom>
+        </p:spPr>
+      </p:pic>
+      <p:sp>
+        <p:nvSpPr>
+          <p:cNvPr id="8" name="ZoneTexte 7"/>
+          <p:cNvSpPr txBox="1"/>
+          <p:nvPr/>
+        </p:nvSpPr>
+        <p:spPr>
+          <a:xfrm>
+            <a:off x="2414016" y="5360908"/>
+            <a:ext cx="3390672" cy="369332"/>
+          </a:xfrm>
+          <a:prstGeom prst="rect">
+            <a:avLst/>
+          </a:prstGeom>
+          <a:noFill/>
+        </p:spPr>
+        <p:txBody>
+          <a:bodyPr wrap="none" rtlCol="0">
+            <a:spAutoFit/>
+          </a:bodyPr>
+          <a:lstStyle/>
+          <a:p>
+            <a:r>
+              <a:rPr lang="fr-FR" dirty="0" smtClean="0"/>
+              <a:t>Programmation de la </a:t>
+            </a:r>
+            <a:r>
+              <a:rPr lang="fr-FR" dirty="0" err="1" smtClean="0"/>
+              <a:t>raspberry</a:t>
+            </a:r>
+            <a:r>
+              <a:rPr lang="fr-FR" dirty="0" smtClean="0"/>
+              <a:t> PI</a:t>
+            </a:r>
+            <a:endParaRPr lang="fr-FR" dirty="0"/>
+          </a:p>
+        </p:txBody>
+      </p:sp>
+      <p:sp>
+        <p:nvSpPr>
+          <p:cNvPr id="9" name="ZoneTexte 8"/>
+          <p:cNvSpPr txBox="1"/>
+          <p:nvPr/>
+        </p:nvSpPr>
+        <p:spPr>
+          <a:xfrm>
+            <a:off x="7896969" y="5572482"/>
+            <a:ext cx="3331361" cy="369332"/>
+          </a:xfrm>
+          <a:prstGeom prst="rect">
+            <a:avLst/>
+          </a:prstGeom>
+          <a:noFill/>
+        </p:spPr>
+        <p:txBody>
+          <a:bodyPr wrap="none" rtlCol="0">
+            <a:spAutoFit/>
+          </a:bodyPr>
+          <a:lstStyle/>
+          <a:p>
+            <a:r>
+              <a:rPr lang="fr-FR" dirty="0" smtClean="0"/>
+              <a:t>Soudure de la carte d’interfaçage</a:t>
+            </a:r>
+            <a:endParaRPr lang="fr-FR" dirty="0"/>
+          </a:p>
+        </p:txBody>
+      </p:sp>
+    </p:spTree>
+    <p:extLst>
+      <p:ext uri="{BB962C8B-B14F-4D97-AF65-F5344CB8AC3E}">
+        <p14:creationId xmlns:p14="http://schemas.microsoft.com/office/powerpoint/2010/main" val="4275004869"/>
+      </p:ext>
+    </p:extLst>
+  </p:cSld>
+  <p:clrMapOvr>
+    <a:masterClrMapping/>
+  </p:clrMapOvr>
+  <mc:AlternateContent xmlns:mc="http://schemas.openxmlformats.org/markup-compatibility/2006">
+    <mc:Choice xmlns:p15="http://schemas.microsoft.com/office/powerpoint/2012/main" xmlns="" Requires="p15">
+      <p:transition xmlns:p14="http://schemas.microsoft.com/office/powerpoint/2010/main" spd="slow" p14:dur="5000">
+        <p15:prstTrans prst="curtains"/>
+      </p:transition>
+    </mc:Choice>
+    <mc:Fallback>
       <p:transition spd="slow">
         <p:fade/>
       </p:transition>
